--- a/1806/julia/Julia-intro.pptx
+++ b/1806/julia/Julia-intro.pptx
@@ -224,7 +224,7 @@
           <a:p>
             <a:fld id="{1F1F7F9C-49D3-454E-9B8D-9A9D1603A87C}" type="datetimeFigureOut">
               <a:rPr lang="en-US" smtClean="0"/>
-              <a:t>12/6/18</a:t>
+              <a:t>9/11/17</a:t>
             </a:fld>
             <a:endParaRPr lang="en-US"/>
           </a:p>
@@ -288,37 +288,38 @@
           <a:p>
             <a:pPr lvl="0"/>
             <a:r>
-              <a:rPr lang="en-US"/>
+              <a:rPr lang="en-US" smtClean="0"/>
               <a:t>Click to edit Master text styles</a:t>
             </a:r>
           </a:p>
           <a:p>
             <a:pPr lvl="1"/>
             <a:r>
-              <a:rPr lang="en-US"/>
+              <a:rPr lang="en-US" smtClean="0"/>
               <a:t>Second level</a:t>
             </a:r>
           </a:p>
           <a:p>
             <a:pPr lvl="2"/>
             <a:r>
-              <a:rPr lang="en-US"/>
+              <a:rPr lang="en-US" smtClean="0"/>
               <a:t>Third level</a:t>
             </a:r>
           </a:p>
           <a:p>
             <a:pPr lvl="3"/>
             <a:r>
-              <a:rPr lang="en-US"/>
+              <a:rPr lang="en-US" smtClean="0"/>
               <a:t>Fourth level</a:t>
             </a:r>
           </a:p>
           <a:p>
             <a:pPr lvl="4"/>
             <a:r>
-              <a:rPr lang="en-US"/>
+              <a:rPr lang="en-US" smtClean="0"/>
               <a:t>Fifth level</a:t>
             </a:r>
+            <a:endParaRPr lang="en-US"/>
           </a:p>
         </p:txBody>
       </p:sp>
@@ -613,9 +614,10 @@
           <a:lstStyle/>
           <a:p>
             <a:r>
-              <a:rPr lang="en-US"/>
+              <a:rPr lang="en-US" smtClean="0"/>
               <a:t>Click to edit Master title style</a:t>
             </a:r>
+            <a:endParaRPr lang="en-US"/>
           </a:p>
         </p:txBody>
       </p:sp>
@@ -731,9 +733,10 @@
           </a:lstStyle>
           <a:p>
             <a:r>
-              <a:rPr lang="en-US"/>
+              <a:rPr lang="en-US" smtClean="0"/>
               <a:t>Click to edit Master subtitle style</a:t>
             </a:r>
+            <a:endParaRPr lang="en-US"/>
           </a:p>
         </p:txBody>
       </p:sp>
@@ -754,7 +757,7 @@
           <a:p>
             <a:fld id="{09D0395C-8A5B-CA45-A966-25AB2CC68A80}" type="datetimeFigureOut">
               <a:rPr lang="en-US" smtClean="0"/>
-              <a:t>12/6/18</a:t>
+              <a:t>9/11/17</a:t>
             </a:fld>
             <a:endParaRPr lang="en-US"/>
           </a:p>
@@ -848,9 +851,10 @@
           <a:lstStyle/>
           <a:p>
             <a:r>
-              <a:rPr lang="en-US"/>
+              <a:rPr lang="en-US" smtClean="0"/>
               <a:t>Click to edit Master title style</a:t>
             </a:r>
+            <a:endParaRPr lang="en-US"/>
           </a:p>
         </p:txBody>
       </p:sp>
@@ -871,37 +875,38 @@
           <a:p>
             <a:pPr lvl="0"/>
             <a:r>
-              <a:rPr lang="en-US"/>
+              <a:rPr lang="en-US" smtClean="0"/>
               <a:t>Click to edit Master text styles</a:t>
             </a:r>
           </a:p>
           <a:p>
             <a:pPr lvl="1"/>
             <a:r>
-              <a:rPr lang="en-US"/>
+              <a:rPr lang="en-US" smtClean="0"/>
               <a:t>Second level</a:t>
             </a:r>
           </a:p>
           <a:p>
             <a:pPr lvl="2"/>
             <a:r>
-              <a:rPr lang="en-US"/>
+              <a:rPr lang="en-US" smtClean="0"/>
               <a:t>Third level</a:t>
             </a:r>
           </a:p>
           <a:p>
             <a:pPr lvl="3"/>
             <a:r>
-              <a:rPr lang="en-US"/>
+              <a:rPr lang="en-US" smtClean="0"/>
               <a:t>Fourth level</a:t>
             </a:r>
           </a:p>
           <a:p>
             <a:pPr lvl="4"/>
             <a:r>
-              <a:rPr lang="en-US"/>
+              <a:rPr lang="en-US" smtClean="0"/>
               <a:t>Fifth level</a:t>
             </a:r>
+            <a:endParaRPr lang="en-US"/>
           </a:p>
         </p:txBody>
       </p:sp>
@@ -922,7 +927,7 @@
           <a:p>
             <a:fld id="{09D0395C-8A5B-CA45-A966-25AB2CC68A80}" type="datetimeFigureOut">
               <a:rPr lang="en-US" smtClean="0"/>
-              <a:t>12/6/18</a:t>
+              <a:t>9/11/17</a:t>
             </a:fld>
             <a:endParaRPr lang="en-US"/>
           </a:p>
@@ -1021,9 +1026,10 @@
           <a:lstStyle/>
           <a:p>
             <a:r>
-              <a:rPr lang="en-US"/>
+              <a:rPr lang="en-US" smtClean="0"/>
               <a:t>Click to edit Master title style</a:t>
             </a:r>
+            <a:endParaRPr lang="en-US"/>
           </a:p>
         </p:txBody>
       </p:sp>
@@ -1049,37 +1055,38 @@
           <a:p>
             <a:pPr lvl="0"/>
             <a:r>
-              <a:rPr lang="en-US"/>
+              <a:rPr lang="en-US" smtClean="0"/>
               <a:t>Click to edit Master text styles</a:t>
             </a:r>
           </a:p>
           <a:p>
             <a:pPr lvl="1"/>
             <a:r>
-              <a:rPr lang="en-US"/>
+              <a:rPr lang="en-US" smtClean="0"/>
               <a:t>Second level</a:t>
             </a:r>
           </a:p>
           <a:p>
             <a:pPr lvl="2"/>
             <a:r>
-              <a:rPr lang="en-US"/>
+              <a:rPr lang="en-US" smtClean="0"/>
               <a:t>Third level</a:t>
             </a:r>
           </a:p>
           <a:p>
             <a:pPr lvl="3"/>
             <a:r>
-              <a:rPr lang="en-US"/>
+              <a:rPr lang="en-US" smtClean="0"/>
               <a:t>Fourth level</a:t>
             </a:r>
           </a:p>
           <a:p>
             <a:pPr lvl="4"/>
             <a:r>
-              <a:rPr lang="en-US"/>
+              <a:rPr lang="en-US" smtClean="0"/>
               <a:t>Fifth level</a:t>
             </a:r>
+            <a:endParaRPr lang="en-US"/>
           </a:p>
         </p:txBody>
       </p:sp>
@@ -1100,7 +1107,7 @@
           <a:p>
             <a:fld id="{09D0395C-8A5B-CA45-A966-25AB2CC68A80}" type="datetimeFigureOut">
               <a:rPr lang="en-US" smtClean="0"/>
-              <a:t>12/6/18</a:t>
+              <a:t>9/11/17</a:t>
             </a:fld>
             <a:endParaRPr lang="en-US"/>
           </a:p>
@@ -1194,9 +1201,10 @@
           <a:lstStyle/>
           <a:p>
             <a:r>
-              <a:rPr lang="en-US"/>
+              <a:rPr lang="en-US" smtClean="0"/>
               <a:t>Click to edit Master title style</a:t>
             </a:r>
+            <a:endParaRPr lang="en-US"/>
           </a:p>
         </p:txBody>
       </p:sp>
@@ -1217,37 +1225,38 @@
           <a:p>
             <a:pPr lvl="0"/>
             <a:r>
-              <a:rPr lang="en-US"/>
+              <a:rPr lang="en-US" smtClean="0"/>
               <a:t>Click to edit Master text styles</a:t>
             </a:r>
           </a:p>
           <a:p>
             <a:pPr lvl="1"/>
             <a:r>
-              <a:rPr lang="en-US"/>
+              <a:rPr lang="en-US" smtClean="0"/>
               <a:t>Second level</a:t>
             </a:r>
           </a:p>
           <a:p>
             <a:pPr lvl="2"/>
             <a:r>
-              <a:rPr lang="en-US"/>
+              <a:rPr lang="en-US" smtClean="0"/>
               <a:t>Third level</a:t>
             </a:r>
           </a:p>
           <a:p>
             <a:pPr lvl="3"/>
             <a:r>
-              <a:rPr lang="en-US"/>
+              <a:rPr lang="en-US" smtClean="0"/>
               <a:t>Fourth level</a:t>
             </a:r>
           </a:p>
           <a:p>
             <a:pPr lvl="4"/>
             <a:r>
-              <a:rPr lang="en-US"/>
+              <a:rPr lang="en-US" smtClean="0"/>
               <a:t>Fifth level</a:t>
             </a:r>
+            <a:endParaRPr lang="en-US"/>
           </a:p>
         </p:txBody>
       </p:sp>
@@ -1268,7 +1277,7 @@
           <a:p>
             <a:fld id="{09D0395C-8A5B-CA45-A966-25AB2CC68A80}" type="datetimeFigureOut">
               <a:rPr lang="en-US" smtClean="0"/>
-              <a:t>12/6/18</a:t>
+              <a:t>9/11/17</a:t>
             </a:fld>
             <a:endParaRPr lang="en-US"/>
           </a:p>
@@ -1371,9 +1380,10 @@
           </a:lstStyle>
           <a:p>
             <a:r>
-              <a:rPr lang="en-US"/>
+              <a:rPr lang="en-US" smtClean="0"/>
               <a:t>Click to edit Master title style</a:t>
             </a:r>
+            <a:endParaRPr lang="en-US"/>
           </a:p>
         </p:txBody>
       </p:sp>
@@ -1490,7 +1500,7 @@
           <a:p>
             <a:pPr lvl="0"/>
             <a:r>
-              <a:rPr lang="en-US"/>
+              <a:rPr lang="en-US" smtClean="0"/>
               <a:t>Click to edit Master text styles</a:t>
             </a:r>
           </a:p>
@@ -1513,7 +1523,7 @@
           <a:p>
             <a:fld id="{09D0395C-8A5B-CA45-A966-25AB2CC68A80}" type="datetimeFigureOut">
               <a:rPr lang="en-US" smtClean="0"/>
-              <a:t>12/6/18</a:t>
+              <a:t>9/11/17</a:t>
             </a:fld>
             <a:endParaRPr lang="en-US"/>
           </a:p>
@@ -1607,9 +1617,10 @@
           <a:lstStyle/>
           <a:p>
             <a:r>
-              <a:rPr lang="en-US"/>
+              <a:rPr lang="en-US" smtClean="0"/>
               <a:t>Click to edit Master title style</a:t>
             </a:r>
+            <a:endParaRPr lang="en-US"/>
           </a:p>
         </p:txBody>
       </p:sp>
@@ -1663,37 +1674,38 @@
           <a:p>
             <a:pPr lvl="0"/>
             <a:r>
-              <a:rPr lang="en-US"/>
+              <a:rPr lang="en-US" smtClean="0"/>
               <a:t>Click to edit Master text styles</a:t>
             </a:r>
           </a:p>
           <a:p>
             <a:pPr lvl="1"/>
             <a:r>
-              <a:rPr lang="en-US"/>
+              <a:rPr lang="en-US" smtClean="0"/>
               <a:t>Second level</a:t>
             </a:r>
           </a:p>
           <a:p>
             <a:pPr lvl="2"/>
             <a:r>
-              <a:rPr lang="en-US"/>
+              <a:rPr lang="en-US" smtClean="0"/>
               <a:t>Third level</a:t>
             </a:r>
           </a:p>
           <a:p>
             <a:pPr lvl="3"/>
             <a:r>
-              <a:rPr lang="en-US"/>
+              <a:rPr lang="en-US" smtClean="0"/>
               <a:t>Fourth level</a:t>
             </a:r>
           </a:p>
           <a:p>
             <a:pPr lvl="4"/>
             <a:r>
-              <a:rPr lang="en-US"/>
+              <a:rPr lang="en-US" smtClean="0"/>
               <a:t>Fifth level</a:t>
             </a:r>
+            <a:endParaRPr lang="en-US"/>
           </a:p>
         </p:txBody>
       </p:sp>
@@ -1747,37 +1759,38 @@
           <a:p>
             <a:pPr lvl="0"/>
             <a:r>
-              <a:rPr lang="en-US"/>
+              <a:rPr lang="en-US" smtClean="0"/>
               <a:t>Click to edit Master text styles</a:t>
             </a:r>
           </a:p>
           <a:p>
             <a:pPr lvl="1"/>
             <a:r>
-              <a:rPr lang="en-US"/>
+              <a:rPr lang="en-US" smtClean="0"/>
               <a:t>Second level</a:t>
             </a:r>
           </a:p>
           <a:p>
             <a:pPr lvl="2"/>
             <a:r>
-              <a:rPr lang="en-US"/>
+              <a:rPr lang="en-US" smtClean="0"/>
               <a:t>Third level</a:t>
             </a:r>
           </a:p>
           <a:p>
             <a:pPr lvl="3"/>
             <a:r>
-              <a:rPr lang="en-US"/>
+              <a:rPr lang="en-US" smtClean="0"/>
               <a:t>Fourth level</a:t>
             </a:r>
           </a:p>
           <a:p>
             <a:pPr lvl="4"/>
             <a:r>
-              <a:rPr lang="en-US"/>
+              <a:rPr lang="en-US" smtClean="0"/>
               <a:t>Fifth level</a:t>
             </a:r>
+            <a:endParaRPr lang="en-US"/>
           </a:p>
         </p:txBody>
       </p:sp>
@@ -1798,7 +1811,7 @@
           <a:p>
             <a:fld id="{09D0395C-8A5B-CA45-A966-25AB2CC68A80}" type="datetimeFigureOut">
               <a:rPr lang="en-US" smtClean="0"/>
-              <a:t>12/6/18</a:t>
+              <a:t>9/11/17</a:t>
             </a:fld>
             <a:endParaRPr lang="en-US"/>
           </a:p>
@@ -1896,9 +1909,10 @@
           </a:lstStyle>
           <a:p>
             <a:r>
-              <a:rPr lang="en-US"/>
+              <a:rPr lang="en-US" smtClean="0"/>
               <a:t>Click to edit Master title style</a:t>
             </a:r>
+            <a:endParaRPr lang="en-US"/>
           </a:p>
         </p:txBody>
       </p:sp>
@@ -1961,7 +1975,7 @@
           <a:p>
             <a:pPr lvl="0"/>
             <a:r>
-              <a:rPr lang="en-US"/>
+              <a:rPr lang="en-US" smtClean="0"/>
               <a:t>Click to edit Master text styles</a:t>
             </a:r>
           </a:p>
@@ -2017,37 +2031,38 @@
           <a:p>
             <a:pPr lvl="0"/>
             <a:r>
-              <a:rPr lang="en-US"/>
+              <a:rPr lang="en-US" smtClean="0"/>
               <a:t>Click to edit Master text styles</a:t>
             </a:r>
           </a:p>
           <a:p>
             <a:pPr lvl="1"/>
             <a:r>
-              <a:rPr lang="en-US"/>
+              <a:rPr lang="en-US" smtClean="0"/>
               <a:t>Second level</a:t>
             </a:r>
           </a:p>
           <a:p>
             <a:pPr lvl="2"/>
             <a:r>
-              <a:rPr lang="en-US"/>
+              <a:rPr lang="en-US" smtClean="0"/>
               <a:t>Third level</a:t>
             </a:r>
           </a:p>
           <a:p>
             <a:pPr lvl="3"/>
             <a:r>
-              <a:rPr lang="en-US"/>
+              <a:rPr lang="en-US" smtClean="0"/>
               <a:t>Fourth level</a:t>
             </a:r>
           </a:p>
           <a:p>
             <a:pPr lvl="4"/>
             <a:r>
-              <a:rPr lang="en-US"/>
+              <a:rPr lang="en-US" smtClean="0"/>
               <a:t>Fifth level</a:t>
             </a:r>
+            <a:endParaRPr lang="en-US"/>
           </a:p>
         </p:txBody>
       </p:sp>
@@ -2110,7 +2125,7 @@
           <a:p>
             <a:pPr lvl="0"/>
             <a:r>
-              <a:rPr lang="en-US"/>
+              <a:rPr lang="en-US" smtClean="0"/>
               <a:t>Click to edit Master text styles</a:t>
             </a:r>
           </a:p>
@@ -2166,37 +2181,38 @@
           <a:p>
             <a:pPr lvl="0"/>
             <a:r>
-              <a:rPr lang="en-US"/>
+              <a:rPr lang="en-US" smtClean="0"/>
               <a:t>Click to edit Master text styles</a:t>
             </a:r>
           </a:p>
           <a:p>
             <a:pPr lvl="1"/>
             <a:r>
-              <a:rPr lang="en-US"/>
+              <a:rPr lang="en-US" smtClean="0"/>
               <a:t>Second level</a:t>
             </a:r>
           </a:p>
           <a:p>
             <a:pPr lvl="2"/>
             <a:r>
-              <a:rPr lang="en-US"/>
+              <a:rPr lang="en-US" smtClean="0"/>
               <a:t>Third level</a:t>
             </a:r>
           </a:p>
           <a:p>
             <a:pPr lvl="3"/>
             <a:r>
-              <a:rPr lang="en-US"/>
+              <a:rPr lang="en-US" smtClean="0"/>
               <a:t>Fourth level</a:t>
             </a:r>
           </a:p>
           <a:p>
             <a:pPr lvl="4"/>
             <a:r>
-              <a:rPr lang="en-US"/>
+              <a:rPr lang="en-US" smtClean="0"/>
               <a:t>Fifth level</a:t>
             </a:r>
+            <a:endParaRPr lang="en-US"/>
           </a:p>
         </p:txBody>
       </p:sp>
@@ -2217,7 +2233,7 @@
           <a:p>
             <a:fld id="{09D0395C-8A5B-CA45-A966-25AB2CC68A80}" type="datetimeFigureOut">
               <a:rPr lang="en-US" smtClean="0"/>
-              <a:t>12/6/18</a:t>
+              <a:t>9/11/17</a:t>
             </a:fld>
             <a:endParaRPr lang="en-US"/>
           </a:p>
@@ -2311,9 +2327,10 @@
           <a:lstStyle/>
           <a:p>
             <a:r>
-              <a:rPr lang="en-US"/>
+              <a:rPr lang="en-US" smtClean="0"/>
               <a:t>Click to edit Master title style</a:t>
             </a:r>
+            <a:endParaRPr lang="en-US"/>
           </a:p>
         </p:txBody>
       </p:sp>
@@ -2334,7 +2351,7 @@
           <a:p>
             <a:fld id="{09D0395C-8A5B-CA45-A966-25AB2CC68A80}" type="datetimeFigureOut">
               <a:rPr lang="en-US" smtClean="0"/>
-              <a:t>12/6/18</a:t>
+              <a:t>9/11/17</a:t>
             </a:fld>
             <a:endParaRPr lang="en-US"/>
           </a:p>
@@ -2429,7 +2446,7 @@
           <a:p>
             <a:fld id="{09D0395C-8A5B-CA45-A966-25AB2CC68A80}" type="datetimeFigureOut">
               <a:rPr lang="en-US" smtClean="0"/>
-              <a:t>12/6/18</a:t>
+              <a:t>9/11/17</a:t>
             </a:fld>
             <a:endParaRPr lang="en-US"/>
           </a:p>
@@ -2532,9 +2549,10 @@
           </a:lstStyle>
           <a:p>
             <a:r>
-              <a:rPr lang="en-US"/>
+              <a:rPr lang="en-US" smtClean="0"/>
               <a:t>Click to edit Master title style</a:t>
             </a:r>
+            <a:endParaRPr lang="en-US"/>
           </a:p>
         </p:txBody>
       </p:sp>
@@ -2588,37 +2606,38 @@
           <a:p>
             <a:pPr lvl="0"/>
             <a:r>
-              <a:rPr lang="en-US"/>
+              <a:rPr lang="en-US" smtClean="0"/>
               <a:t>Click to edit Master text styles</a:t>
             </a:r>
           </a:p>
           <a:p>
             <a:pPr lvl="1"/>
             <a:r>
-              <a:rPr lang="en-US"/>
+              <a:rPr lang="en-US" smtClean="0"/>
               <a:t>Second level</a:t>
             </a:r>
           </a:p>
           <a:p>
             <a:pPr lvl="2"/>
             <a:r>
-              <a:rPr lang="en-US"/>
+              <a:rPr lang="en-US" smtClean="0"/>
               <a:t>Third level</a:t>
             </a:r>
           </a:p>
           <a:p>
             <a:pPr lvl="3"/>
             <a:r>
-              <a:rPr lang="en-US"/>
+              <a:rPr lang="en-US" smtClean="0"/>
               <a:t>Fourth level</a:t>
             </a:r>
           </a:p>
           <a:p>
             <a:pPr lvl="4"/>
             <a:r>
-              <a:rPr lang="en-US"/>
+              <a:rPr lang="en-US" smtClean="0"/>
               <a:t>Fifth level</a:t>
             </a:r>
+            <a:endParaRPr lang="en-US"/>
           </a:p>
         </p:txBody>
       </p:sp>
@@ -2681,7 +2700,7 @@
           <a:p>
             <a:pPr lvl="0"/>
             <a:r>
-              <a:rPr lang="en-US"/>
+              <a:rPr lang="en-US" smtClean="0"/>
               <a:t>Click to edit Master text styles</a:t>
             </a:r>
           </a:p>
@@ -2704,7 +2723,7 @@
           <a:p>
             <a:fld id="{09D0395C-8A5B-CA45-A966-25AB2CC68A80}" type="datetimeFigureOut">
               <a:rPr lang="en-US" smtClean="0"/>
-              <a:t>12/6/18</a:t>
+              <a:t>9/11/17</a:t>
             </a:fld>
             <a:endParaRPr lang="en-US"/>
           </a:p>
@@ -2807,9 +2826,10 @@
           </a:lstStyle>
           <a:p>
             <a:r>
-              <a:rPr lang="en-US"/>
+              <a:rPr lang="en-US" smtClean="0"/>
               <a:t>Click to edit Master title style</a:t>
             </a:r>
+            <a:endParaRPr lang="en-US"/>
           </a:p>
         </p:txBody>
       </p:sp>
@@ -2933,7 +2953,7 @@
           <a:p>
             <a:pPr lvl="0"/>
             <a:r>
-              <a:rPr lang="en-US"/>
+              <a:rPr lang="en-US" smtClean="0"/>
               <a:t>Click to edit Master text styles</a:t>
             </a:r>
           </a:p>
@@ -2956,7 +2976,7 @@
           <a:p>
             <a:fld id="{09D0395C-8A5B-CA45-A966-25AB2CC68A80}" type="datetimeFigureOut">
               <a:rPr lang="en-US" smtClean="0"/>
-              <a:t>12/6/18</a:t>
+              <a:t>9/11/17</a:t>
             </a:fld>
             <a:endParaRPr lang="en-US"/>
           </a:p>
@@ -3065,9 +3085,10 @@
           <a:lstStyle/>
           <a:p>
             <a:r>
-              <a:rPr lang="en-US"/>
+              <a:rPr lang="en-US" smtClean="0"/>
               <a:t>Click to edit Master title style</a:t>
             </a:r>
+            <a:endParaRPr lang="en-US"/>
           </a:p>
         </p:txBody>
       </p:sp>
@@ -3098,37 +3119,38 @@
           <a:p>
             <a:pPr lvl="0"/>
             <a:r>
-              <a:rPr lang="en-US"/>
+              <a:rPr lang="en-US" smtClean="0"/>
               <a:t>Click to edit Master text styles</a:t>
             </a:r>
           </a:p>
           <a:p>
             <a:pPr lvl="1"/>
             <a:r>
-              <a:rPr lang="en-US"/>
+              <a:rPr lang="en-US" smtClean="0"/>
               <a:t>Second level</a:t>
             </a:r>
           </a:p>
           <a:p>
             <a:pPr lvl="2"/>
             <a:r>
-              <a:rPr lang="en-US"/>
+              <a:rPr lang="en-US" smtClean="0"/>
               <a:t>Third level</a:t>
             </a:r>
           </a:p>
           <a:p>
             <a:pPr lvl="3"/>
             <a:r>
-              <a:rPr lang="en-US"/>
+              <a:rPr lang="en-US" smtClean="0"/>
               <a:t>Fourth level</a:t>
             </a:r>
           </a:p>
           <a:p>
             <a:pPr lvl="4"/>
             <a:r>
-              <a:rPr lang="en-US"/>
+              <a:rPr lang="en-US" smtClean="0"/>
               <a:t>Fifth level</a:t>
             </a:r>
+            <a:endParaRPr lang="en-US"/>
           </a:p>
         </p:txBody>
       </p:sp>
@@ -3167,7 +3189,7 @@
           <a:p>
             <a:fld id="{09D0395C-8A5B-CA45-A966-25AB2CC68A80}" type="datetimeFigureOut">
               <a:rPr lang="en-US" smtClean="0"/>
-              <a:t>12/6/18</a:t>
+              <a:t>9/11/17</a:t>
             </a:fld>
             <a:endParaRPr lang="en-US"/>
           </a:p>
@@ -3565,22 +3587,30 @@
           <a:lstStyle/>
           <a:p>
             <a:r>
-              <a:rPr lang="en-US" dirty="0">
+              <a:rPr lang="en-US" dirty="0" smtClean="0">
                 <a:solidFill>
                   <a:srgbClr val="0000FF"/>
                 </a:solidFill>
               </a:rPr>
               <a:t>Introduction to Julia:</a:t>
             </a:r>
+            <a:r>
+              <a:rPr lang="en-US" dirty="0" smtClean="0">
+                <a:solidFill>
+                  <a:srgbClr val="FF0000"/>
+                </a:solidFill>
+              </a:rPr>
+              <a:t/>
+            </a:r>
             <a:br>
-              <a:rPr lang="en-US" dirty="0">
+              <a:rPr lang="en-US" dirty="0" smtClean="0">
                 <a:solidFill>
                   <a:srgbClr val="FF0000"/>
                 </a:solidFill>
               </a:rPr>
             </a:br>
             <a:r>
-              <a:rPr lang="en-US" dirty="0">
+              <a:rPr lang="en-US" dirty="0" smtClean="0">
                 <a:solidFill>
                   <a:srgbClr val="FF0000"/>
                 </a:solidFill>
@@ -3588,22 +3618,39 @@
               <a:t>Why are we doing this to you?</a:t>
             </a:r>
             <a:br>
-              <a:rPr lang="en-US" dirty="0">
+              <a:rPr lang="en-US" dirty="0" smtClean="0">
                 <a:solidFill>
                   <a:srgbClr val="FF0000"/>
                 </a:solidFill>
               </a:rPr>
             </a:br>
             <a:r>
-              <a:rPr lang="en-US" sz="2800" dirty="0">
+              <a:rPr lang="en-US" sz="2800" dirty="0" smtClean="0">
                 <a:solidFill>
                   <a:schemeClr val="bg1">
                     <a:lumMod val="50000"/>
                   </a:schemeClr>
                 </a:solidFill>
               </a:rPr>
-              <a:t>(Fall 2018)</a:t>
-            </a:r>
+              <a:t>(Fall 2017</a:t>
+            </a:r>
+            <a:r>
+              <a:rPr lang="en-US" sz="2800" dirty="0" smtClean="0">
+                <a:solidFill>
+                  <a:schemeClr val="bg1">
+                    <a:lumMod val="50000"/>
+                  </a:schemeClr>
+                </a:solidFill>
+              </a:rPr>
+              <a:t>)</a:t>
+            </a:r>
+            <a:endParaRPr lang="en-US" sz="2800" dirty="0">
+              <a:solidFill>
+                <a:schemeClr val="bg1">
+                  <a:lumMod val="50000"/>
+                </a:schemeClr>
+              </a:solidFill>
+            </a:endParaRPr>
           </a:p>
         </p:txBody>
       </p:sp>
@@ -3630,7 +3677,7 @@
           <a:lstStyle/>
           <a:p>
             <a:r>
-              <a:rPr lang="en-US" dirty="0">
+              <a:rPr lang="en-US" dirty="0" smtClean="0">
                 <a:solidFill>
                   <a:srgbClr val="0000FF"/>
                 </a:solidFill>
@@ -3643,11 +3690,11 @@
           </a:p>
           <a:p>
             <a:r>
-              <a:rPr lang="en-US" dirty="0"/>
+              <a:rPr lang="en-US" dirty="0" smtClean="0"/>
               <a:t>MIT classes </a:t>
             </a:r>
             <a:r>
-              <a:rPr lang="en-US" dirty="0">
+              <a:rPr lang="en-US" dirty="0" smtClean="0">
                 <a:solidFill>
                   <a:schemeClr val="tx1"/>
                 </a:solidFill>
@@ -3657,13 +3704,18 @@
           </a:p>
           <a:p>
             <a:r>
-              <a:rPr lang="en-US" dirty="0">
+              <a:rPr lang="en-US" dirty="0" smtClean="0">
                 <a:solidFill>
                   <a:schemeClr val="tx1"/>
                 </a:solidFill>
               </a:rPr>
               <a:t>18.335, 18.337, …</a:t>
             </a:r>
+            <a:endParaRPr lang="en-US" dirty="0">
+              <a:solidFill>
+                <a:schemeClr val="tx1"/>
+              </a:solidFill>
+            </a:endParaRPr>
           </a:p>
         </p:txBody>
       </p:sp>
@@ -3720,17 +3772,18 @@
           <a:lstStyle/>
           <a:p>
             <a:r>
-              <a:rPr lang="en-US" dirty="0"/>
+              <a:rPr lang="en-US" dirty="0" smtClean="0"/>
               <a:t>Generating </a:t>
             </a:r>
             <a:r>
-              <a:rPr lang="en-US" dirty="0" err="1"/>
+              <a:rPr lang="en-US" dirty="0" err="1" smtClean="0"/>
               <a:t>Vandermonde</a:t>
             </a:r>
             <a:r>
-              <a:rPr lang="en-US" dirty="0"/>
+              <a:rPr lang="en-US" dirty="0" smtClean="0"/>
               <a:t> matrices</a:t>
             </a:r>
+            <a:endParaRPr lang="en-US" dirty="0"/>
           </a:p>
         </p:txBody>
       </p:sp>
@@ -3781,11 +3834,11 @@
           <a:lstStyle/>
           <a:p>
             <a:r>
-              <a:rPr lang="en-US" sz="2400" dirty="0"/>
+              <a:rPr lang="en-US" sz="2400" dirty="0" smtClean="0"/>
               <a:t>given </a:t>
             </a:r>
             <a:r>
-              <a:rPr lang="en-US" sz="2400" dirty="0">
+              <a:rPr lang="en-US" sz="2400" dirty="0" smtClean="0">
                 <a:solidFill>
                   <a:srgbClr val="0000FF"/>
                 </a:solidFill>
@@ -3793,7 +3846,7 @@
               <a:t>x = [</a:t>
             </a:r>
             <a:r>
-              <a:rPr lang="el-GR" sz="2400" dirty="0">
+              <a:rPr lang="el-GR" sz="2400" dirty="0" smtClean="0">
                 <a:solidFill>
                   <a:srgbClr val="0000FF"/>
                 </a:solidFill>
@@ -3801,7 +3854,7 @@
               <a:t>α</a:t>
             </a:r>
             <a:r>
-              <a:rPr lang="en-US" sz="2400" baseline="-25000" dirty="0">
+              <a:rPr lang="en-US" sz="2400" baseline="-25000" dirty="0" smtClean="0">
                 <a:solidFill>
                   <a:srgbClr val="0000FF"/>
                 </a:solidFill>
@@ -3809,7 +3862,7 @@
               <a:t>1</a:t>
             </a:r>
             <a:r>
-              <a:rPr lang="en-US" sz="2400" dirty="0">
+              <a:rPr lang="en-US" sz="2400" dirty="0" smtClean="0">
                 <a:solidFill>
                   <a:srgbClr val="0000FF"/>
                 </a:solidFill>
@@ -3817,7 +3870,7 @@
               <a:t>, </a:t>
             </a:r>
             <a:r>
-              <a:rPr lang="el-GR" sz="2400" dirty="0">
+              <a:rPr lang="el-GR" sz="2400" dirty="0" smtClean="0">
                 <a:solidFill>
                   <a:srgbClr val="0000FF"/>
                 </a:solidFill>
@@ -3825,7 +3878,7 @@
               <a:t>α</a:t>
             </a:r>
             <a:r>
-              <a:rPr lang="en-US" sz="2400" baseline="-25000" dirty="0">
+              <a:rPr lang="en-US" sz="2400" baseline="-25000" dirty="0" smtClean="0">
                 <a:solidFill>
                   <a:srgbClr val="0000FF"/>
                 </a:solidFill>
@@ -3833,7 +3886,7 @@
               <a:t>2</a:t>
             </a:r>
             <a:r>
-              <a:rPr lang="en-US" sz="2400" dirty="0">
+              <a:rPr lang="en-US" sz="2400" dirty="0" smtClean="0">
                 <a:solidFill>
                   <a:srgbClr val="0000FF"/>
                 </a:solidFill>
@@ -3841,9 +3894,10 @@
               <a:t>, …]</a:t>
             </a:r>
             <a:r>
-              <a:rPr lang="en-US" sz="2400" dirty="0"/>
+              <a:rPr lang="en-US" sz="2400" dirty="0" smtClean="0"/>
               <a:t>, generate:</a:t>
             </a:r>
+            <a:endParaRPr lang="en-US" sz="2400" dirty="0"/>
           </a:p>
         </p:txBody>
       </p:sp>
@@ -3869,7 +3923,7 @@
           <a:lstStyle/>
           <a:p>
             <a:r>
-              <a:rPr lang="en-US" sz="2000" dirty="0" err="1">
+              <a:rPr lang="en-US" sz="2000" dirty="0" err="1" smtClean="0">
                 <a:solidFill>
                   <a:srgbClr val="FF0000"/>
                 </a:solidFill>
@@ -3877,7 +3931,7 @@
               <a:t>NumPy</a:t>
             </a:r>
             <a:r>
-              <a:rPr lang="en-US" sz="2000" dirty="0">
+              <a:rPr lang="en-US" sz="2000" dirty="0" smtClean="0">
                 <a:solidFill>
                   <a:srgbClr val="FF0000"/>
                 </a:solidFill>
@@ -3885,7 +3939,7 @@
               <a:t> </a:t>
             </a:r>
             <a:r>
-              <a:rPr lang="en-US" dirty="0">
+              <a:rPr lang="en-US" dirty="0" smtClean="0">
                 <a:solidFill>
                   <a:srgbClr val="FF0000"/>
                 </a:solidFill>
@@ -3893,7 +3947,7 @@
               <a:t>(</a:t>
             </a:r>
             <a:r>
-              <a:rPr lang="en-US" sz="1600" dirty="0" err="1">
+              <a:rPr lang="en-US" sz="1600" dirty="0" err="1" smtClean="0">
                 <a:solidFill>
                   <a:srgbClr val="FF0000"/>
                 </a:solidFill>
@@ -3903,73 +3957,78 @@
               <a:t>numpy.vander</a:t>
             </a:r>
             <a:r>
-              <a:rPr lang="en-US" dirty="0">
+              <a:rPr lang="en-US" dirty="0" smtClean="0">
                 <a:solidFill>
                   <a:srgbClr val="FF0000"/>
                 </a:solidFill>
               </a:rPr>
               <a:t>):</a:t>
+            </a:r>
+            <a:r>
+              <a:rPr lang="en-US" dirty="0" smtClean="0"/>
+              <a:t> </a:t>
+            </a:r>
+            <a:r>
+              <a:rPr lang="en-US" i="1" dirty="0" smtClean="0"/>
+              <a:t>[follow links]</a:t>
+            </a:r>
+          </a:p>
+          <a:p>
+            <a:endParaRPr lang="en-US" dirty="0" smtClean="0"/>
+          </a:p>
+          <a:p>
+            <a:r>
+              <a:rPr lang="en-US" dirty="0" smtClean="0"/>
+              <a:t>        </a:t>
+            </a:r>
+            <a:r>
+              <a:rPr lang="en-US" dirty="0" smtClean="0">
+                <a:hlinkClick r:id="rId3"/>
+              </a:rPr>
+              <a:t> Python code </a:t>
             </a:r>
             <a:r>
               <a:rPr lang="en-US" dirty="0"/>
               <a:t> </a:t>
             </a:r>
             <a:r>
-              <a:rPr lang="en-US" i="1" dirty="0"/>
-              <a:t>[follow links]</a:t>
-            </a:r>
-          </a:p>
-          <a:p>
+              <a:rPr lang="en-US" dirty="0" smtClean="0"/>
+              <a:t>…wraps </a:t>
+            </a:r>
+            <a:r>
+              <a:rPr lang="en-US" dirty="0" smtClean="0">
+                <a:hlinkClick r:id="rId4"/>
+              </a:rPr>
+              <a:t>C code </a:t>
+            </a:r>
+            <a:endParaRPr lang="en-US" dirty="0" smtClean="0"/>
+          </a:p>
+          <a:p>
+            <a:r>
+              <a:rPr lang="en-US" dirty="0" smtClean="0"/>
+              <a:t>         … wraps </a:t>
+            </a:r>
+            <a:r>
+              <a:rPr lang="en-US" dirty="0" smtClean="0">
+                <a:hlinkClick r:id="rId5"/>
+              </a:rPr>
+              <a:t>generated C code</a:t>
+            </a:r>
+            <a:endParaRPr lang="en-US" dirty="0" smtClean="0"/>
+          </a:p>
+          <a:p>
+            <a:endParaRPr lang="en-US" dirty="0" smtClean="0"/>
+          </a:p>
+          <a:p>
+            <a:r>
+              <a:rPr lang="en-US" dirty="0" smtClean="0"/>
+              <a:t>type-generic at high-level, but</a:t>
+            </a:r>
             <a:endParaRPr lang="en-US" dirty="0"/>
           </a:p>
           <a:p>
             <a:r>
-              <a:rPr lang="en-US" dirty="0"/>
-              <a:t>        </a:t>
-            </a:r>
-            <a:r>
-              <a:rPr lang="en-US" dirty="0">
-                <a:hlinkClick r:id="rId3"/>
-              </a:rPr>
-              <a:t> Python code </a:t>
-            </a:r>
-            <a:r>
-              <a:rPr lang="en-US" dirty="0"/>
-              <a:t> …wraps </a:t>
-            </a:r>
-            <a:r>
-              <a:rPr lang="en-US" dirty="0">
-                <a:hlinkClick r:id="rId4"/>
-              </a:rPr>
-              <a:t>C code </a:t>
-            </a:r>
-            <a:endParaRPr lang="en-US" dirty="0"/>
-          </a:p>
-          <a:p>
-            <a:r>
-              <a:rPr lang="en-US" dirty="0"/>
-              <a:t>         … wraps </a:t>
-            </a:r>
-            <a:r>
-              <a:rPr lang="en-US" dirty="0">
-                <a:hlinkClick r:id="rId5"/>
-              </a:rPr>
-              <a:t>generated C code</a:t>
-            </a:r>
-            <a:endParaRPr lang="en-US" dirty="0"/>
-          </a:p>
-          <a:p>
-            <a:endParaRPr lang="en-US" dirty="0"/>
-          </a:p>
-          <a:p>
-            <a:r>
-              <a:rPr lang="en-US" dirty="0"/>
-              <a:t>type-generic at high-level, but</a:t>
-            </a:r>
-          </a:p>
-          <a:p>
-            <a:r>
-              <a:rPr lang="en-US" dirty="0"/>
+              <a:rPr lang="en-US" dirty="0" smtClean="0"/>
               <a:t>low level limited to small set of types.</a:t>
             </a:r>
           </a:p>
@@ -3997,25 +4056,39 @@
           <a:lstStyle/>
           <a:p>
             <a:r>
+              <a:rPr lang="en-US" sz="1600" dirty="0" smtClean="0">
+                <a:latin typeface="Monaco"/>
+                <a:cs typeface="Monaco"/>
+              </a:rPr>
+              <a:t>function </a:t>
+            </a:r>
+            <a:r>
+              <a:rPr lang="en-US" sz="1600" dirty="0" err="1">
+                <a:latin typeface="Monaco"/>
+                <a:cs typeface="Monaco"/>
+              </a:rPr>
+              <a:t>vander</a:t>
+            </a:r>
+            <a:r>
               <a:rPr lang="en-US" sz="1600" dirty="0">
                 <a:latin typeface="Monaco"/>
                 <a:cs typeface="Monaco"/>
               </a:rPr>
-              <a:t>function </a:t>
+              <a:t>{T}(x::</a:t>
             </a:r>
             <a:r>
               <a:rPr lang="en-US" sz="1600" dirty="0" err="1">
                 <a:latin typeface="Monaco"/>
                 <a:cs typeface="Monaco"/>
               </a:rPr>
-              <a:t>vander</a:t>
+              <a:t>AbstractVector</a:t>
             </a:r>
             <a:r>
               <a:rPr lang="en-US" sz="1600" dirty="0">
                 <a:latin typeface="Monaco"/>
                 <a:cs typeface="Monaco"/>
               </a:rPr>
-              <a:t>(x, n=length(x))</a:t>
+              <a:t>{T}, n=length(x))</a:t>
             </a:r>
           </a:p>
           <a:p>
@@ -4033,21 +4106,16 @@
                 <a:latin typeface="Monaco"/>
                 <a:cs typeface="Monaco"/>
               </a:rPr>
-              <a:t>    V = Array(</a:t>
-            </a:r>
-            <a:r>
-              <a:rPr lang="en-US" sz="1600" dirty="0" err="1">
-                <a:latin typeface="Monaco"/>
-                <a:cs typeface="Monaco"/>
-              </a:rPr>
-              <a:t>eltype</a:t>
-            </a:r>
+              <a:t>    V = Array(T, m, n)</a:t>
+            </a:r>
+          </a:p>
+          <a:p>
             <a:r>
               <a:rPr lang="en-US" sz="1600" dirty="0">
                 <a:latin typeface="Monaco"/>
                 <a:cs typeface="Monaco"/>
               </a:rPr>
-              <a:t>(x), m, n)</a:t>
+              <a:t>    for j = 1:m</a:t>
             </a:r>
           </a:p>
           <a:p>
@@ -4056,17 +4124,19 @@
                 <a:latin typeface="Monaco"/>
                 <a:cs typeface="Monaco"/>
               </a:rPr>
-              <a:t>    for j = 1:m</a:t>
-            </a:r>
-          </a:p>
-          <a:p>
-            <a:r>
-              <a:rPr lang="en-US" sz="1600" dirty="0">
+              <a:t>        V[j,1] = one</a:t>
+            </a:r>
+            <a:r>
+              <a:rPr lang="en-US" sz="1600" dirty="0" smtClean="0">
                 <a:latin typeface="Monaco"/>
                 <a:cs typeface="Monaco"/>
               </a:rPr>
-              <a:t>        V[j,1] = one(x[j])</a:t>
-            </a:r>
+              <a:t>(x[j])</a:t>
+            </a:r>
+            <a:endParaRPr lang="en-US" sz="1600" dirty="0">
+              <a:latin typeface="Monaco"/>
+              <a:cs typeface="Monaco"/>
+            </a:endParaRPr>
           </a:p>
           <a:p>
             <a:r>
@@ -4216,14 +4286,14 @@
           <a:lstStyle/>
           <a:p>
             <a:r>
-              <a:rPr lang="en-US" sz="2000" dirty="0">
+              <a:rPr lang="en-US" sz="2000" dirty="0" smtClean="0">
                 <a:solidFill>
                   <a:srgbClr val="FF0000"/>
                 </a:solidFill>
               </a:rPr>
               <a:t>Julia (type-generic code):</a:t>
             </a:r>
-            <a:endParaRPr lang="en-US" dirty="0"/>
+            <a:endParaRPr lang="en-US" dirty="0" smtClean="0"/>
           </a:p>
         </p:txBody>
       </p:sp>
@@ -4237,6 +4307,13 @@
   <p:clrMapOvr>
     <a:masterClrMapping/>
   </p:clrMapOvr>
+  <p:timing>
+    <p:tnLst>
+      <p:par>
+        <p:cTn id="1" dur="indefinite" restart="never" nodeType="tmRoot"/>
+      </p:par>
+    </p:tnLst>
+  </p:timing>
 </p:sld>
 </file>
 
@@ -4304,17 +4381,18 @@
           <a:lstStyle/>
           <a:p>
             <a:r>
-              <a:rPr lang="en-US" dirty="0"/>
+              <a:rPr lang="en-US" dirty="0" smtClean="0"/>
               <a:t>Generating </a:t>
             </a:r>
             <a:r>
-              <a:rPr lang="en-US" dirty="0" err="1"/>
+              <a:rPr lang="en-US" dirty="0" err="1" smtClean="0"/>
               <a:t>Vandermonde</a:t>
             </a:r>
             <a:r>
-              <a:rPr lang="en-US" dirty="0"/>
+              <a:rPr lang="en-US" dirty="0" smtClean="0"/>
               <a:t> matrices</a:t>
             </a:r>
+            <a:endParaRPr lang="en-US" dirty="0"/>
           </a:p>
         </p:txBody>
       </p:sp>
@@ -4340,25 +4418,39 @@
           <a:lstStyle/>
           <a:p>
             <a:r>
+              <a:rPr lang="en-US" sz="1400" dirty="0" smtClean="0">
+                <a:latin typeface="Monaco"/>
+                <a:cs typeface="Monaco"/>
+              </a:rPr>
+              <a:t>function </a:t>
+            </a:r>
+            <a:r>
+              <a:rPr lang="en-US" sz="1400" dirty="0" err="1">
+                <a:latin typeface="Monaco"/>
+                <a:cs typeface="Monaco"/>
+              </a:rPr>
+              <a:t>vander</a:t>
+            </a:r>
+            <a:r>
               <a:rPr lang="en-US" sz="1400" dirty="0">
                 <a:latin typeface="Monaco"/>
                 <a:cs typeface="Monaco"/>
               </a:rPr>
-              <a:t>function </a:t>
+              <a:t>{T}(x::</a:t>
             </a:r>
             <a:r>
               <a:rPr lang="en-US" sz="1400" dirty="0" err="1">
                 <a:latin typeface="Monaco"/>
                 <a:cs typeface="Monaco"/>
               </a:rPr>
-              <a:t>vander</a:t>
+              <a:t>AbstractVector</a:t>
             </a:r>
             <a:r>
               <a:rPr lang="en-US" sz="1400" dirty="0">
                 <a:latin typeface="Monaco"/>
                 <a:cs typeface="Monaco"/>
               </a:rPr>
-              <a:t>(x, n=length(x))</a:t>
+              <a:t>{T}, n=length(x))</a:t>
             </a:r>
           </a:p>
           <a:p>
@@ -4376,28 +4468,16 @@
                 <a:latin typeface="Monaco"/>
                 <a:cs typeface="Monaco"/>
               </a:rPr>
-              <a:t>    V = Array(</a:t>
-            </a:r>
-            <a:r>
-              <a:rPr lang="en-US" sz="1400" dirty="0" err="1">
-                <a:latin typeface="Monaco"/>
-                <a:cs typeface="Monaco"/>
-              </a:rPr>
-              <a:t>eltype</a:t>
-            </a:r>
-            <a:r>
-              <a:rPr lang="en-US" sz="1400">
-                <a:latin typeface="Monaco"/>
-                <a:cs typeface="Monaco"/>
-              </a:rPr>
-              <a:t>(x), </a:t>
-            </a:r>
+              <a:t>    V = Array(T, m, n)</a:t>
+            </a:r>
+          </a:p>
+          <a:p>
             <a:r>
               <a:rPr lang="en-US" sz="1400" dirty="0">
                 <a:latin typeface="Monaco"/>
                 <a:cs typeface="Monaco"/>
               </a:rPr>
-              <a:t>m, n)</a:t>
+              <a:t>    for j = 1:m</a:t>
             </a:r>
           </a:p>
           <a:p>
@@ -4406,17 +4486,19 @@
                 <a:latin typeface="Monaco"/>
                 <a:cs typeface="Monaco"/>
               </a:rPr>
-              <a:t>    for j = 1:m</a:t>
-            </a:r>
-          </a:p>
-          <a:p>
-            <a:r>
-              <a:rPr lang="en-US" sz="1400" dirty="0">
+              <a:t>        V[j,1] = one</a:t>
+            </a:r>
+            <a:r>
+              <a:rPr lang="en-US" sz="1400" dirty="0" smtClean="0">
                 <a:latin typeface="Monaco"/>
                 <a:cs typeface="Monaco"/>
               </a:rPr>
-              <a:t>        V[j,1] = one(x[j])</a:t>
-            </a:r>
+              <a:t>(x[j])</a:t>
+            </a:r>
+            <a:endParaRPr lang="en-US" sz="1400" dirty="0">
+              <a:latin typeface="Monaco"/>
+              <a:cs typeface="Monaco"/>
+            </a:endParaRPr>
           </a:p>
           <a:p>
             <a:r>
@@ -4543,7 +4625,7 @@
           <a:lstStyle/>
           <a:p>
             <a:r>
-              <a:rPr lang="en-US" dirty="0">
+              <a:rPr lang="en-US" dirty="0" smtClean="0">
                 <a:solidFill>
                   <a:srgbClr val="0000FF"/>
                 </a:solidFill>
@@ -4553,7 +4635,7 @@
           </a:p>
           <a:p>
             <a:r>
-              <a:rPr lang="en-US" dirty="0">
+              <a:rPr lang="en-US" dirty="0" smtClean="0">
                 <a:solidFill>
                   <a:srgbClr val="0000FF"/>
                 </a:solidFill>
@@ -4563,13 +4645,18 @@
           </a:p>
           <a:p>
             <a:r>
-              <a:rPr lang="en-US" dirty="0">
+              <a:rPr lang="en-US" dirty="0" smtClean="0">
                 <a:solidFill>
                   <a:srgbClr val="0000FF"/>
                 </a:solidFill>
               </a:rPr>
               <a:t>… performance ≠ inflexibility</a:t>
             </a:r>
+            <a:endParaRPr lang="en-US" dirty="0">
+              <a:solidFill>
+                <a:srgbClr val="0000FF"/>
+              </a:solidFill>
+            </a:endParaRPr>
           </a:p>
         </p:txBody>
       </p:sp>
@@ -4583,6 +4670,13 @@
   <p:clrMapOvr>
     <a:masterClrMapping/>
   </p:clrMapOvr>
+  <p:timing>
+    <p:tnLst>
+      <p:par>
+        <p:cTn id="1" dur="indefinite" restart="never" nodeType="tmRoot"/>
+      </p:par>
+    </p:tnLst>
+  </p:timing>
 </p:sld>
 </file>
 
@@ -4624,21 +4718,26 @@
           <a:lstStyle/>
           <a:p>
             <a:r>
+              <a:rPr lang="en-US" dirty="0" smtClean="0"/>
+              <a:t>But I don’t “</a:t>
+            </a:r>
+            <a:r>
+              <a:rPr lang="en-US" dirty="0" smtClean="0">
+                <a:solidFill>
+                  <a:srgbClr val="FF0000"/>
+                </a:solidFill>
+              </a:rPr>
+              <a:t>need</a:t>
+            </a:r>
+            <a:r>
               <a:rPr lang="en-US" dirty="0"/>
-              <a:t>But I don’t “</a:t>
-            </a:r>
-            <a:r>
-              <a:rPr lang="en-US" dirty="0">
-                <a:solidFill>
-                  <a:srgbClr val="FF0000"/>
-                </a:solidFill>
-              </a:rPr>
-              <a:t>need</a:t>
-            </a:r>
-            <a:r>
-              <a:rPr lang="en-US" dirty="0"/>
-              <a:t>” performance!</a:t>
-            </a:r>
+              <a:t>”</a:t>
+            </a:r>
+            <a:r>
+              <a:rPr lang="en-US" dirty="0" smtClean="0"/>
+              <a:t> performance!</a:t>
+            </a:r>
+            <a:endParaRPr lang="en-US" dirty="0"/>
           </a:p>
         </p:txBody>
       </p:sp>
@@ -4665,19 +4764,19 @@
           <a:lstStyle/>
           <a:p>
             <a:r>
-              <a:rPr lang="en-US" sz="2800" dirty="0"/>
+              <a:rPr lang="en-US" sz="2800" dirty="0" smtClean="0"/>
               <a:t>For lots of problems, especially “toy” problems in courses, </a:t>
             </a:r>
             <a:r>
-              <a:rPr lang="en-US" sz="2800" dirty="0" err="1"/>
+              <a:rPr lang="en-US" sz="2800" dirty="0" err="1" smtClean="0"/>
               <a:t>Matlab</a:t>
             </a:r>
             <a:r>
-              <a:rPr lang="en-US" sz="2800" dirty="0"/>
+              <a:rPr lang="en-US" sz="2800" dirty="0" smtClean="0"/>
               <a:t>/Python performance is </a:t>
             </a:r>
             <a:r>
-              <a:rPr lang="en-US" sz="2800" dirty="0">
+              <a:rPr lang="en-US" sz="2800" dirty="0" smtClean="0">
                 <a:solidFill>
                   <a:srgbClr val="0000FF"/>
                 </a:solidFill>
@@ -4690,11 +4789,11 @@
           </a:p>
           <a:p>
             <a:r>
-              <a:rPr lang="en-US" sz="2800" dirty="0"/>
+              <a:rPr lang="en-US" sz="2800" dirty="0" smtClean="0"/>
               <a:t>But if use those languages for all of your “easy” problems, then </a:t>
             </a:r>
             <a:r>
-              <a:rPr lang="en-US" sz="2800" dirty="0">
+              <a:rPr lang="en-US" sz="2800" dirty="0" smtClean="0">
                 <a:solidFill>
                   <a:srgbClr val="0000FF"/>
                 </a:solidFill>
@@ -4702,11 +4801,11 @@
               <a:t>you won’t be prepared to switch when you hit a hard problem</a:t>
             </a:r>
             <a:r>
-              <a:rPr lang="en-US" sz="2800" dirty="0"/>
+              <a:rPr lang="en-US" sz="2800" dirty="0" smtClean="0"/>
               <a:t>.  </a:t>
             </a:r>
             <a:r>
-              <a:rPr lang="en-US" sz="2800" dirty="0">
+              <a:rPr lang="en-US" sz="2800" dirty="0" smtClean="0">
                 <a:solidFill>
                   <a:srgbClr val="FF0000"/>
                 </a:solidFill>
@@ -4714,7 +4813,7 @@
               <a:t>When you </a:t>
             </a:r>
             <a:r>
-              <a:rPr lang="en-US" sz="2800" b="1" dirty="0">
+              <a:rPr lang="en-US" sz="2800" b="1" dirty="0" smtClean="0">
                 <a:solidFill>
                   <a:srgbClr val="FF0000"/>
                 </a:solidFill>
@@ -4722,7 +4821,7 @@
               <a:t>need</a:t>
             </a:r>
             <a:r>
-              <a:rPr lang="en-US" sz="2800" dirty="0">
+              <a:rPr lang="en-US" sz="2800" dirty="0" smtClean="0">
                 <a:solidFill>
                   <a:srgbClr val="FF0000"/>
                 </a:solidFill>
@@ -4735,11 +4834,11 @@
           </a:p>
           <a:p>
             <a:r>
-              <a:rPr lang="en-US" sz="2800" dirty="0"/>
+              <a:rPr lang="en-US" sz="2800" dirty="0" smtClean="0"/>
               <a:t>You </a:t>
             </a:r>
             <a:r>
-              <a:rPr lang="en-US" sz="2800" dirty="0">
+              <a:rPr lang="en-US" sz="2800" dirty="0" smtClean="0">
                 <a:solidFill>
                   <a:srgbClr val="FF0000"/>
                 </a:solidFill>
@@ -4747,11 +4846,11 @@
               <a:t>don’t</a:t>
             </a:r>
             <a:r>
-              <a:rPr lang="en-US" sz="2800" dirty="0"/>
+              <a:rPr lang="en-US" sz="2800" dirty="0" smtClean="0"/>
               <a:t> want to learn a </a:t>
             </a:r>
             <a:r>
-              <a:rPr lang="en-US" sz="2800" dirty="0">
+              <a:rPr lang="en-US" sz="2800" dirty="0" smtClean="0">
                 <a:solidFill>
                   <a:srgbClr val="FF0000"/>
                 </a:solidFill>
@@ -4759,11 +4858,11 @@
               <a:t>new language </a:t>
             </a:r>
             <a:r>
-              <a:rPr lang="en-US" sz="2800" dirty="0"/>
+              <a:rPr lang="en-US" sz="2800" dirty="0" smtClean="0"/>
               <a:t>at the </a:t>
             </a:r>
             <a:r>
-              <a:rPr lang="en-US" sz="2800" dirty="0">
+              <a:rPr lang="en-US" sz="2800" dirty="0" smtClean="0">
                 <a:solidFill>
                   <a:srgbClr val="FF0000"/>
                 </a:solidFill>
@@ -4771,11 +4870,11 @@
               <a:t>same time</a:t>
             </a:r>
             <a:r>
-              <a:rPr lang="en-US" sz="2800" dirty="0"/>
+              <a:rPr lang="en-US" sz="2800" dirty="0" smtClean="0"/>
               <a:t> that you are solving </a:t>
             </a:r>
             <a:r>
-              <a:rPr lang="en-US" sz="2800" dirty="0">
+              <a:rPr lang="en-US" sz="2800" dirty="0" smtClean="0">
                 <a:solidFill>
                   <a:srgbClr val="FF0000"/>
                 </a:solidFill>
@@ -4783,7 +4882,7 @@
               <a:t>your first truly difficult </a:t>
             </a:r>
             <a:r>
-              <a:rPr lang="en-US" sz="2800" dirty="0"/>
+              <a:rPr lang="en-US" sz="2800" dirty="0" smtClean="0"/>
               <a:t>computational problem.</a:t>
             </a:r>
           </a:p>
@@ -4799,6 +4898,13 @@
   <p:clrMapOvr>
     <a:masterClrMapping/>
   </p:clrMapOvr>
+  <p:timing>
+    <p:tnLst>
+      <p:par>
+        <p:cTn id="1" dur="indefinite" restart="never" nodeType="tmRoot"/>
+      </p:par>
+    </p:tnLst>
+  </p:timing>
 </p:sld>
 </file>
 
@@ -4842,34 +4948,38 @@
           <a:lstStyle/>
           <a:p>
             <a:r>
-              <a:rPr lang="en-US" dirty="0"/>
+              <a:rPr lang="en-US" dirty="0" smtClean="0"/>
               <a:t>Just </a:t>
             </a:r>
             <a:r>
-              <a:rPr lang="en-US" dirty="0" err="1"/>
+              <a:rPr lang="en-US" dirty="0" err="1" smtClean="0"/>
               <a:t>vectorize</a:t>
             </a:r>
             <a:r>
-              <a:rPr lang="en-US" dirty="0"/>
+              <a:rPr lang="en-US" dirty="0" smtClean="0"/>
               <a:t> your code?</a:t>
             </a:r>
             <a:br>
-              <a:rPr lang="en-US" dirty="0"/>
+              <a:rPr lang="en-US" dirty="0" smtClean="0"/>
             </a:br>
             <a:r>
-              <a:rPr lang="en-US" sz="3100" dirty="0"/>
+              <a:rPr lang="en-US" sz="3100" dirty="0" smtClean="0"/>
               <a:t>= rely on mature </a:t>
             </a:r>
             <a:r>
-              <a:rPr lang="en-US" sz="3100" dirty="0">
+              <a:rPr lang="en-US" sz="3100" dirty="0" smtClean="0">
                 <a:solidFill>
                   <a:srgbClr val="FF0000"/>
                 </a:solidFill>
               </a:rPr>
               <a:t>external libraries,</a:t>
             </a:r>
+            <a:r>
+              <a:rPr lang="en-US" sz="3100" dirty="0" smtClean="0"/>
+              <a:t/>
+            </a:r>
             <a:br>
-              <a:rPr lang="en-US" sz="3100" dirty="0"/>
+              <a:rPr lang="en-US" sz="3100" dirty="0" smtClean="0"/>
             </a:br>
             <a:r>
               <a:rPr lang="en-US" sz="3100" dirty="0"/>
@@ -4881,21 +4991,29 @@
                   <a:srgbClr val="FF0000"/>
                 </a:solidFill>
               </a:rPr>
-              <a:t>large blocks of data,</a:t>
+              <a:t>large blocks of </a:t>
+            </a:r>
+            <a:r>
+              <a:rPr lang="en-US" sz="3100" dirty="0" smtClean="0">
+                <a:solidFill>
+                  <a:srgbClr val="FF0000"/>
+                </a:solidFill>
+              </a:rPr>
+              <a:t>data,</a:t>
             </a:r>
             <a:br>
-              <a:rPr lang="en-US" sz="3100" dirty="0">
+              <a:rPr lang="en-US" sz="3100" dirty="0" smtClean="0">
                 <a:solidFill>
                   <a:srgbClr val="FF0000"/>
                 </a:solidFill>
               </a:rPr>
             </a:br>
             <a:r>
-              <a:rPr lang="en-US" sz="3100" dirty="0"/>
+              <a:rPr lang="en-US" sz="3100" dirty="0" smtClean="0"/>
               <a:t>for performance-critical code</a:t>
             </a:r>
             <a:br>
-              <a:rPr lang="en-US" sz="3100" dirty="0"/>
+              <a:rPr lang="en-US" sz="3100" dirty="0" smtClean="0"/>
             </a:br>
             <a:endParaRPr lang="en-US" dirty="0">
               <a:solidFill>
@@ -4928,7 +5046,7 @@
           <a:lstStyle/>
           <a:p>
             <a:r>
-              <a:rPr lang="en-US" sz="3200" dirty="0">
+              <a:rPr lang="en-US" sz="3200" dirty="0" smtClean="0">
                 <a:solidFill>
                   <a:srgbClr val="FF0000"/>
                 </a:solidFill>
@@ -4936,7 +5054,7 @@
               <a:t>Good advice!  </a:t>
             </a:r>
             <a:r>
-              <a:rPr lang="en-US" sz="3200" dirty="0"/>
+              <a:rPr lang="en-US" sz="3200" dirty="0" smtClean="0"/>
               <a:t>But…</a:t>
             </a:r>
           </a:p>
@@ -4946,10 +5064,14 @@
           <a:p>
             <a:r>
               <a:rPr lang="en-US" sz="2400" dirty="0"/>
-              <a:t>	• </a:t>
-            </a:r>
-            <a:r>
-              <a:rPr lang="en-US" sz="2400" dirty="0">
+              <a:t>	</a:t>
+            </a:r>
+            <a:r>
+              <a:rPr lang="en-US" sz="2400" dirty="0" smtClean="0"/>
+              <a:t>• </a:t>
+            </a:r>
+            <a:r>
+              <a:rPr lang="en-US" sz="2400" dirty="0" smtClean="0">
                 <a:solidFill>
                   <a:srgbClr val="0000FF"/>
                 </a:solidFill>
@@ -4957,58 +5079,67 @@
               <a:t>Someone</a:t>
             </a:r>
             <a:r>
+              <a:rPr lang="en-US" sz="2400" dirty="0" smtClean="0"/>
+              <a:t> has to write those libraries.</a:t>
+            </a:r>
+          </a:p>
+          <a:p>
+            <a:endParaRPr lang="en-US" sz="2400" dirty="0" smtClean="0"/>
+          </a:p>
+          <a:p>
+            <a:r>
+              <a:rPr lang="en-US" sz="2400" dirty="0" smtClean="0"/>
+              <a:t>	• Eventually that person will be </a:t>
+            </a:r>
+            <a:r>
+              <a:rPr lang="en-US" sz="2400" dirty="0" smtClean="0">
+                <a:solidFill>
+                  <a:srgbClr val="0000FF"/>
+                </a:solidFill>
+              </a:rPr>
+              <a:t>you.</a:t>
+            </a:r>
+          </a:p>
+          <a:p>
+            <a:r>
               <a:rPr lang="en-US" sz="2400" dirty="0"/>
-              <a:t> has to write those libraries.</a:t>
-            </a:r>
-          </a:p>
-          <a:p>
+              <a:t>	</a:t>
+            </a:r>
+            <a:r>
+              <a:rPr lang="en-US" sz="2400" dirty="0" smtClean="0"/>
+              <a:t>		— </a:t>
+            </a:r>
+            <a:r>
+              <a:rPr lang="en-US" sz="2400" dirty="0" smtClean="0">
+                <a:solidFill>
+                  <a:srgbClr val="FF0000"/>
+                </a:solidFill>
+              </a:rPr>
+              <a:t>some problems </a:t>
+            </a:r>
+            <a:r>
+              <a:rPr lang="en-US" sz="2400" dirty="0" smtClean="0"/>
+              <a:t>are impossible or</a:t>
+            </a:r>
+          </a:p>
+          <a:p>
+            <a:r>
+              <a:rPr lang="en-US" sz="2400" dirty="0"/>
+              <a:t>	</a:t>
+            </a:r>
+            <a:r>
+              <a:rPr lang="en-US" sz="2400" dirty="0" smtClean="0"/>
+              <a:t>			just very awkward to </a:t>
+            </a:r>
+            <a:r>
+              <a:rPr lang="en-US" sz="2400" dirty="0" err="1" smtClean="0"/>
+              <a:t>vectorize</a:t>
+            </a:r>
+            <a:r>
+              <a:rPr lang="en-US" sz="2400" dirty="0" smtClean="0"/>
+              <a:t>.</a:t>
+            </a:r>
             <a:endParaRPr lang="en-US" sz="2400" dirty="0"/>
-          </a:p>
-          <a:p>
-            <a:r>
-              <a:rPr lang="en-US" sz="2400" dirty="0"/>
-              <a:t>	• Eventually that person will be </a:t>
-            </a:r>
-            <a:r>
-              <a:rPr lang="en-US" sz="2400" dirty="0">
-                <a:solidFill>
-                  <a:srgbClr val="0000FF"/>
-                </a:solidFill>
-              </a:rPr>
-              <a:t>you.</a:t>
-            </a:r>
-          </a:p>
-          <a:p>
-            <a:r>
-              <a:rPr lang="en-US" sz="2400" dirty="0"/>
-              <a:t>			— </a:t>
-            </a:r>
-            <a:r>
-              <a:rPr lang="en-US" sz="2400" dirty="0">
-                <a:solidFill>
-                  <a:srgbClr val="FF0000"/>
-                </a:solidFill>
-              </a:rPr>
-              <a:t>some problems </a:t>
-            </a:r>
-            <a:r>
-              <a:rPr lang="en-US" sz="2400" dirty="0"/>
-              <a:t>are impossible or</a:t>
-            </a:r>
-          </a:p>
-          <a:p>
-            <a:r>
-              <a:rPr lang="en-US" sz="2400" dirty="0"/>
-              <a:t>				just very awkward to </a:t>
-            </a:r>
-            <a:r>
-              <a:rPr lang="en-US" sz="2400" dirty="0" err="1"/>
-              <a:t>vectorize</a:t>
-            </a:r>
-            <a:r>
-              <a:rPr lang="en-US" sz="2400" dirty="0"/>
-              <a:t>.</a:t>
-            </a:r>
           </a:p>
         </p:txBody>
       </p:sp>
@@ -5022,6 +5153,13 @@
   <p:clrMapOvr>
     <a:masterClrMapping/>
   </p:clrMapOvr>
+  <p:timing>
+    <p:tnLst>
+      <p:par>
+        <p:cTn id="1" dur="indefinite" restart="never" nodeType="tmRoot"/>
+      </p:par>
+    </p:tnLst>
+  </p:timing>
 </p:sld>
 </file>
 
@@ -5060,22 +5198,22 @@
           <a:lstStyle/>
           <a:p>
             <a:r>
-              <a:rPr lang="en-US" dirty="0"/>
+              <a:rPr lang="en-US" dirty="0" smtClean="0"/>
               <a:t>But everyone else is using</a:t>
             </a:r>
             <a:br>
-              <a:rPr lang="en-US" dirty="0"/>
+              <a:rPr lang="en-US" dirty="0" smtClean="0"/>
             </a:br>
             <a:r>
-              <a:rPr lang="en-US" dirty="0" err="1"/>
+              <a:rPr lang="en-US" dirty="0" err="1" smtClean="0"/>
               <a:t>Matlab</a:t>
             </a:r>
             <a:r>
-              <a:rPr lang="en-US" dirty="0"/>
+              <a:rPr lang="en-US" dirty="0" smtClean="0"/>
               <a:t>/Python/R/</a:t>
             </a:r>
             <a:r>
-              <a:rPr lang="is-IS" dirty="0"/>
+              <a:rPr lang="is-IS" dirty="0" smtClean="0"/>
               <a:t>…</a:t>
             </a:r>
             <a:endParaRPr lang="en-US" dirty="0"/>
@@ -5105,11 +5243,11 @@
           <a:lstStyle/>
           <a:p>
             <a:r>
-              <a:rPr lang="en-US" sz="3200" dirty="0"/>
+              <a:rPr lang="en-US" sz="3200" dirty="0" smtClean="0"/>
               <a:t>Julia is still a young, niche language.  That imposes real costs — lack of </a:t>
             </a:r>
             <a:r>
-              <a:rPr lang="en-US" sz="3200" dirty="0">
+              <a:rPr lang="en-US" sz="3200" dirty="0" smtClean="0">
                 <a:solidFill>
                   <a:srgbClr val="0000FF"/>
                 </a:solidFill>
@@ -5117,11 +5255,11 @@
               <a:t>familiarity</a:t>
             </a:r>
             <a:r>
-              <a:rPr lang="en-US" sz="3200" dirty="0"/>
+              <a:rPr lang="en-US" sz="3200" dirty="0" smtClean="0"/>
               <a:t>, </a:t>
             </a:r>
             <a:r>
-              <a:rPr lang="en-US" sz="3200" dirty="0">
+              <a:rPr lang="en-US" sz="3200" dirty="0" smtClean="0">
                 <a:solidFill>
                   <a:srgbClr val="0000FF"/>
                 </a:solidFill>
@@ -5129,11 +5267,11 @@
               <a:t>rough</a:t>
             </a:r>
             <a:r>
-              <a:rPr lang="en-US" sz="3200" dirty="0"/>
+              <a:rPr lang="en-US" sz="3200" dirty="0" smtClean="0"/>
               <a:t> edges, continual language </a:t>
             </a:r>
             <a:r>
-              <a:rPr lang="en-US" sz="3200" dirty="0">
+              <a:rPr lang="en-US" sz="3200" dirty="0" smtClean="0">
                 <a:solidFill>
                   <a:srgbClr val="0000FF"/>
                 </a:solidFill>
@@ -5141,11 +5279,11 @@
               <a:t>changes</a:t>
             </a:r>
             <a:r>
-              <a:rPr lang="en-US" sz="3200" dirty="0"/>
+              <a:rPr lang="en-US" sz="3200" dirty="0" smtClean="0"/>
               <a:t>.  </a:t>
             </a:r>
             <a:r>
-              <a:rPr lang="en-US" sz="3200" dirty="0">
+              <a:rPr lang="en-US" sz="3200" dirty="0" smtClean="0">
                 <a:solidFill>
                   <a:srgbClr val="FF0000"/>
                 </a:solidFill>
@@ -5158,17 +5296,18 @@
           </a:p>
           <a:p>
             <a:r>
-              <a:rPr lang="en-US" sz="3200" dirty="0"/>
+              <a:rPr lang="en-US" sz="3200" dirty="0" smtClean="0"/>
               <a:t>But it also gives you advantages that </a:t>
             </a:r>
             <a:r>
-              <a:rPr lang="en-US" sz="3200" dirty="0" err="1"/>
+              <a:rPr lang="en-US" sz="3200" dirty="0" err="1" smtClean="0"/>
               <a:t>Matlab</a:t>
             </a:r>
             <a:r>
-              <a:rPr lang="en-US" sz="3200" dirty="0"/>
+              <a:rPr lang="en-US" sz="3200" dirty="0" smtClean="0"/>
               <a:t>/Python users don’t have.</a:t>
             </a:r>
+            <a:endParaRPr lang="en-US" sz="3200" dirty="0"/>
           </a:p>
         </p:txBody>
       </p:sp>
@@ -5182,6 +5321,13 @@
   <p:clrMapOvr>
     <a:masterClrMapping/>
   </p:clrMapOvr>
+  <p:timing>
+    <p:tnLst>
+      <p:par>
+        <p:cTn id="1" dur="indefinite" restart="never" nodeType="tmRoot"/>
+      </p:par>
+    </p:tnLst>
+  </p:timing>
 </p:sld>
 </file>
 
@@ -5225,9 +5371,10 @@
           <a:lstStyle/>
           <a:p>
             <a:r>
-              <a:rPr lang="en-US" dirty="0"/>
+              <a:rPr lang="en-US" dirty="0" smtClean="0"/>
               <a:t>But I lose access to all the libraries available for other languages?</a:t>
             </a:r>
+            <a:endParaRPr lang="en-US" dirty="0"/>
           </a:p>
         </p:txBody>
       </p:sp>
@@ -5254,11 +5401,11 @@
           <a:lstStyle/>
           <a:p>
             <a:r>
-              <a:rPr lang="en-US" sz="3200" dirty="0"/>
+              <a:rPr lang="en-US" sz="3200" dirty="0" smtClean="0"/>
               <a:t>Very easy to </a:t>
             </a:r>
             <a:r>
-              <a:rPr lang="en-US" sz="3200" dirty="0">
+              <a:rPr lang="en-US" sz="3200" dirty="0" smtClean="0">
                 <a:solidFill>
                   <a:srgbClr val="0000FF"/>
                 </a:solidFill>
@@ -5266,11 +5413,11 @@
               <a:t>call C/Fortran </a:t>
             </a:r>
             <a:r>
-              <a:rPr lang="en-US" sz="3200" dirty="0"/>
+              <a:rPr lang="en-US" sz="3200" dirty="0" smtClean="0"/>
               <a:t>libraries </a:t>
             </a:r>
             <a:r>
-              <a:rPr lang="en-US" sz="3200" dirty="0">
+              <a:rPr lang="en-US" sz="3200" dirty="0" smtClean="0">
                 <a:solidFill>
                   <a:srgbClr val="FF0000"/>
                 </a:solidFill>
@@ -5278,11 +5425,11 @@
               <a:t>from Julia</a:t>
             </a:r>
             <a:r>
-              <a:rPr lang="en-US" sz="3200" dirty="0"/>
+              <a:rPr lang="en-US" sz="3200" dirty="0" smtClean="0"/>
               <a:t>, and </a:t>
             </a:r>
             <a:r>
-              <a:rPr lang="en-US" sz="3200" dirty="0">
+              <a:rPr lang="en-US" sz="3200" dirty="0" smtClean="0">
                 <a:solidFill>
                   <a:srgbClr val="0000FF"/>
                 </a:solidFill>
@@ -5290,9 +5437,10 @@
               <a:t>also to call Python</a:t>
             </a:r>
             <a:r>
-              <a:rPr lang="en-US" sz="3200" dirty="0"/>
+              <a:rPr lang="en-US" sz="3200" dirty="0" smtClean="0"/>
               <a:t>…</a:t>
             </a:r>
+            <a:endParaRPr lang="en-US" sz="3200" dirty="0"/>
           </a:p>
         </p:txBody>
       </p:sp>
@@ -5306,6 +5454,13 @@
   <p:clrMapOvr>
     <a:masterClrMapping/>
   </p:clrMapOvr>
+  <p:timing>
+    <p:tnLst>
+      <p:par>
+        <p:cTn id="1" dur="indefinite" restart="never" nodeType="tmRoot"/>
+      </p:par>
+    </p:tnLst>
+  </p:timing>
 </p:sld>
 </file>
 
@@ -5373,17 +5528,22 @@
           <a:lstStyle/>
           <a:p>
             <a:r>
-              <a:rPr lang="en-US" dirty="0"/>
+              <a:rPr lang="en-US" dirty="0" smtClean="0"/>
               <a:t>[ </a:t>
             </a:r>
             <a:r>
-              <a:rPr lang="en-US" dirty="0" err="1"/>
+              <a:rPr lang="en-US" dirty="0" err="1" smtClean="0"/>
               <a:t>jupyter.org</a:t>
             </a:r>
             <a:r>
-              <a:rPr lang="en-US" dirty="0"/>
-              <a:t> ]</a:t>
-            </a:r>
+              <a:rPr lang="en-US" dirty="0" smtClean="0"/>
+              <a:t> </a:t>
+            </a:r>
+            <a:r>
+              <a:rPr lang="en-US" dirty="0" smtClean="0"/>
+              <a:t>]</a:t>
+            </a:r>
+            <a:endParaRPr lang="en-US" dirty="0"/>
           </a:p>
         </p:txBody>
       </p:sp>
@@ -5410,42 +5570,42 @@
           <a:lstStyle/>
           <a:p>
             <a:r>
-              <a:rPr lang="en-US" sz="2400" i="1" dirty="0"/>
+              <a:rPr lang="en-US" sz="2400" i="1" dirty="0" smtClean="0"/>
               <a:t>via </a:t>
             </a:r>
             <a:r>
-              <a:rPr lang="en-US" sz="2400" i="1" dirty="0" err="1"/>
+              <a:rPr lang="en-US" sz="2400" i="1" dirty="0" err="1" smtClean="0"/>
               <a:t>IPython</a:t>
             </a:r>
             <a:r>
-              <a:rPr lang="en-US" sz="2400" i="1" dirty="0"/>
+              <a:rPr lang="en-US" sz="2400" i="1" dirty="0" smtClean="0"/>
               <a:t>/</a:t>
             </a:r>
             <a:r>
-              <a:rPr lang="en-US" sz="2400" i="1" dirty="0" err="1"/>
+              <a:rPr lang="en-US" sz="2400" i="1" dirty="0" err="1" smtClean="0"/>
               <a:t>Jupyter</a:t>
             </a:r>
             <a:r>
-              <a:rPr lang="en-US" sz="2400" i="1" dirty="0"/>
+              <a:rPr lang="en-US" sz="2400" i="1" dirty="0" smtClean="0"/>
               <a:t>:</a:t>
             </a:r>
           </a:p>
           <a:p>
-            <a:endParaRPr lang="en-US" sz="2400" dirty="0"/>
-          </a:p>
-          <a:p>
-            <a:r>
-              <a:rPr lang="en-US" sz="2400" dirty="0"/>
+            <a:endParaRPr lang="en-US" sz="2400" dirty="0" smtClean="0"/>
+          </a:p>
+          <a:p>
+            <a:r>
+              <a:rPr lang="en-US" sz="2400" dirty="0" smtClean="0"/>
               <a:t>Modern multimedia</a:t>
             </a:r>
           </a:p>
           <a:p>
             <a:r>
-              <a:rPr lang="en-US" sz="2400" dirty="0"/>
+              <a:rPr lang="en-US" sz="2400" dirty="0" smtClean="0"/>
               <a:t>interactive </a:t>
             </a:r>
             <a:r>
-              <a:rPr lang="en-US" sz="2400" dirty="0">
+              <a:rPr lang="en-US" sz="2400" dirty="0" smtClean="0">
                 <a:solidFill>
                   <a:srgbClr val="0000FF"/>
                 </a:solidFill>
@@ -5455,11 +5615,11 @@
           </a:p>
           <a:p>
             <a:r>
-              <a:rPr lang="en-US" sz="2400" dirty="0"/>
+              <a:rPr lang="en-US" sz="2400" dirty="0" smtClean="0"/>
               <a:t>mixing </a:t>
             </a:r>
             <a:r>
-              <a:rPr lang="en-US" sz="2400" dirty="0">
+              <a:rPr lang="en-US" sz="2400" dirty="0" smtClean="0">
                 <a:solidFill>
                   <a:srgbClr val="0000FF"/>
                 </a:solidFill>
@@ -5467,11 +5627,11 @@
               <a:t>code</a:t>
             </a:r>
             <a:r>
-              <a:rPr lang="en-US" sz="2400" dirty="0"/>
+              <a:rPr lang="en-US" sz="2400" dirty="0" smtClean="0"/>
               <a:t>, </a:t>
             </a:r>
             <a:r>
-              <a:rPr lang="en-US" sz="2400" dirty="0">
+              <a:rPr lang="en-US" sz="2400" dirty="0" smtClean="0">
                 <a:solidFill>
                   <a:srgbClr val="0000FF"/>
                 </a:solidFill>
@@ -5479,13 +5639,13 @@
               <a:t>results</a:t>
             </a:r>
             <a:r>
-              <a:rPr lang="en-US" sz="2400" dirty="0"/>
+              <a:rPr lang="en-US" sz="2400" dirty="0" smtClean="0"/>
               <a:t>,</a:t>
             </a:r>
           </a:p>
           <a:p>
             <a:r>
-              <a:rPr lang="en-US" sz="2400" dirty="0">
+              <a:rPr lang="en-US" sz="2400" dirty="0" smtClean="0">
                 <a:solidFill>
                   <a:srgbClr val="0000FF"/>
                 </a:solidFill>
@@ -5493,11 +5653,11 @@
               <a:t>graphics</a:t>
             </a:r>
             <a:r>
-              <a:rPr lang="en-US" sz="2400" dirty="0"/>
+              <a:rPr lang="en-US" sz="2400" dirty="0" smtClean="0"/>
               <a:t>, rich </a:t>
             </a:r>
             <a:r>
-              <a:rPr lang="en-US" sz="2400" dirty="0">
+              <a:rPr lang="en-US" sz="2400" dirty="0" smtClean="0">
                 <a:solidFill>
                   <a:srgbClr val="0000FF"/>
                 </a:solidFill>
@@ -5505,11 +5665,11 @@
               <a:t>text</a:t>
             </a:r>
             <a:r>
-              <a:rPr lang="en-US" sz="2400" dirty="0"/>
+              <a:rPr lang="en-US" sz="2400" dirty="0" smtClean="0"/>
               <a:t>, equations, </a:t>
             </a:r>
             <a:r>
-              <a:rPr lang="en-US" sz="2400" dirty="0">
+              <a:rPr lang="en-US" sz="2400" dirty="0" smtClean="0">
                 <a:solidFill>
                   <a:srgbClr val="0000FF"/>
                 </a:solidFill>
@@ -5527,7 +5687,7 @@
           <a:p>
             <a:pPr algn="ctr"/>
             <a:r>
-              <a:rPr lang="en-US" sz="2400" dirty="0">
+              <a:rPr lang="en-US" sz="2400" dirty="0" smtClean="0">
                 <a:solidFill>
                   <a:srgbClr val="0000FF"/>
                 </a:solidFill>
@@ -5535,7 +5695,7 @@
               <a:t>“</a:t>
             </a:r>
             <a:r>
-              <a:rPr lang="en-US" sz="2400" dirty="0" err="1">
+              <a:rPr lang="en-US" sz="2400" dirty="0" err="1" smtClean="0">
                 <a:solidFill>
                   <a:srgbClr val="0000FF"/>
                 </a:solidFill>
@@ -5543,7 +5703,7 @@
               <a:t>IJulia</a:t>
             </a:r>
             <a:r>
-              <a:rPr lang="en-US" sz="2400" dirty="0">
+              <a:rPr lang="en-US" sz="2400" dirty="0" smtClean="0">
                 <a:solidFill>
                   <a:srgbClr val="0000FF"/>
                 </a:solidFill>
@@ -5574,9 +5734,10 @@
           <a:lstStyle/>
           <a:p>
             <a:r>
-              <a:rPr lang="en-US" dirty="0"/>
+              <a:rPr lang="en-US" dirty="0" smtClean="0"/>
               <a:t>Julia leverages Python…</a:t>
             </a:r>
+            <a:endParaRPr lang="en-US" dirty="0"/>
           </a:p>
         </p:txBody>
       </p:sp>
@@ -5640,7 +5801,7 @@
           <a:lstStyle/>
           <a:p>
             <a:r>
-              <a:rPr lang="en-US" sz="2400" dirty="0">
+              <a:rPr lang="en-US" sz="2400" dirty="0" smtClean="0">
                 <a:solidFill>
                   <a:srgbClr val="FF0000"/>
                 </a:solidFill>
@@ -5648,51 +5809,60 @@
               <a:t>Directly call Python libraries </a:t>
             </a:r>
             <a:r>
+              <a:rPr lang="en-US" sz="2400" dirty="0" smtClean="0"/>
+              <a:t>(</a:t>
+            </a:r>
+            <a:r>
+              <a:rPr lang="en-US" sz="2400" dirty="0" err="1" smtClean="0"/>
+              <a:t>PyCall</a:t>
+            </a:r>
+            <a:r>
+              <a:rPr lang="en-US" sz="2400" dirty="0" smtClean="0"/>
+              <a:t> package),</a:t>
+            </a:r>
+          </a:p>
+          <a:p>
+            <a:r>
               <a:rPr lang="en-US" sz="2400" dirty="0"/>
+              <a:t>	</a:t>
+            </a:r>
+            <a:r>
+              <a:rPr lang="en-US" sz="2400" dirty="0" smtClean="0"/>
+              <a:t>e.g. to plot with </a:t>
+            </a:r>
+            <a:r>
+              <a:rPr lang="en-US" sz="2400" dirty="0" err="1" smtClean="0">
+                <a:solidFill>
+                  <a:srgbClr val="FF0000"/>
+                </a:solidFill>
+              </a:rPr>
+              <a:t>Matplotlib</a:t>
+            </a:r>
+            <a:r>
+              <a:rPr lang="en-US" sz="2400" dirty="0" smtClean="0">
+                <a:solidFill>
+                  <a:srgbClr val="FF0000"/>
+                </a:solidFill>
+              </a:rPr>
+              <a:t> </a:t>
+            </a:r>
+            <a:r>
+              <a:rPr lang="en-US" sz="2400" dirty="0" smtClean="0"/>
               <a:t>(</a:t>
             </a:r>
             <a:r>
-              <a:rPr lang="en-US" sz="2400" dirty="0" err="1"/>
-              <a:t>PyCall</a:t>
-            </a:r>
-            <a:r>
-              <a:rPr lang="en-US" sz="2400" dirty="0"/>
-              <a:t> package),</a:t>
-            </a:r>
-          </a:p>
-          <a:p>
-            <a:r>
-              <a:rPr lang="en-US" sz="2400" dirty="0"/>
-              <a:t>	e.g. to plot with </a:t>
-            </a:r>
-            <a:r>
-              <a:rPr lang="en-US" sz="2400" dirty="0" err="1">
-                <a:solidFill>
-                  <a:srgbClr val="FF0000"/>
-                </a:solidFill>
-              </a:rPr>
-              <a:t>Matplotlib</a:t>
-            </a:r>
-            <a:r>
-              <a:rPr lang="en-US" sz="2400" dirty="0">
-                <a:solidFill>
-                  <a:srgbClr val="FF0000"/>
-                </a:solidFill>
-              </a:rPr>
-              <a:t> </a:t>
-            </a:r>
-            <a:r>
-              <a:rPr lang="en-US" sz="2400" dirty="0"/>
-              <a:t>(</a:t>
-            </a:r>
-            <a:r>
-              <a:rPr lang="en-US" sz="2400" dirty="0" err="1"/>
+              <a:rPr lang="en-US" sz="2400" dirty="0" err="1" smtClean="0"/>
               <a:t>PyPlot</a:t>
             </a:r>
             <a:r>
-              <a:rPr lang="en-US" sz="2400" dirty="0"/>
-              <a:t> package), and also…</a:t>
-            </a:r>
+              <a:rPr lang="en-US" sz="2400" dirty="0" smtClean="0"/>
+              <a:t> package</a:t>
+            </a:r>
+            <a:r>
+              <a:rPr lang="en-US" sz="2400" dirty="0" smtClean="0"/>
+              <a:t>), and also…</a:t>
+            </a:r>
+            <a:endParaRPr lang="en-US" sz="2400" dirty="0"/>
           </a:p>
         </p:txBody>
       </p:sp>
@@ -5730,6 +5900,13 @@
   <p:clrMapOvr>
     <a:masterClrMapping/>
   </p:clrMapOvr>
+  <p:timing>
+    <p:tnLst>
+      <p:par>
+        <p:cTn id="1" dur="indefinite" restart="never" nodeType="tmRoot"/>
+      </p:par>
+    </p:tnLst>
+  </p:timing>
 </p:sld>
 </file>
 
@@ -5771,7 +5948,7 @@
           <a:lstStyle/>
           <a:p>
             <a:r>
-              <a:rPr lang="en-US" sz="4000" dirty="0" err="1">
+              <a:rPr lang="en-US" sz="4000" dirty="0" err="1" smtClean="0">
                 <a:solidFill>
                   <a:srgbClr val="FF0000"/>
                 </a:solidFill>
@@ -5781,7 +5958,7 @@
               <a:t>goto</a:t>
             </a:r>
             <a:r>
-              <a:rPr lang="en-US" sz="4000" dirty="0">
+              <a:rPr lang="en-US" sz="4000" dirty="0" smtClean="0">
                 <a:solidFill>
                   <a:srgbClr val="FF0000"/>
                 </a:solidFill>
@@ -5789,11 +5966,11 @@
               <a:t> </a:t>
             </a:r>
             <a:r>
-              <a:rPr lang="en-US" dirty="0"/>
+              <a:rPr lang="en-US" dirty="0" smtClean="0"/>
               <a:t>live </a:t>
             </a:r>
             <a:r>
-              <a:rPr lang="en-US" dirty="0" err="1">
+              <a:rPr lang="en-US" dirty="0" err="1" smtClean="0">
                 <a:solidFill>
                   <a:srgbClr val="FF0000"/>
                 </a:solidFill>
@@ -5801,7 +5978,7 @@
               <a:t>IJulia</a:t>
             </a:r>
             <a:r>
-              <a:rPr lang="en-US" dirty="0">
+              <a:rPr lang="en-US" dirty="0" smtClean="0">
                 <a:solidFill>
                   <a:srgbClr val="FF0000"/>
                 </a:solidFill>
@@ -5809,9 +5986,10 @@
               <a:t> notebook</a:t>
             </a:r>
             <a:r>
-              <a:rPr lang="en-US" dirty="0"/>
+              <a:rPr lang="en-US" dirty="0" smtClean="0"/>
               <a:t> demo…</a:t>
             </a:r>
+            <a:endParaRPr lang="en-US" dirty="0"/>
           </a:p>
         </p:txBody>
       </p:sp>
@@ -5839,11 +6017,11 @@
           <a:p>
             <a:pPr algn="ctr"/>
             <a:r>
-              <a:rPr lang="en-US" sz="2800" dirty="0"/>
+              <a:rPr lang="en-US" sz="2800" dirty="0" smtClean="0"/>
               <a:t>Go to</a:t>
             </a:r>
             <a:r>
-              <a:rPr lang="en-US" sz="2800" dirty="0">
+              <a:rPr lang="en-US" sz="2800" dirty="0" smtClean="0">
                 <a:solidFill>
                   <a:srgbClr val="FF0000"/>
                 </a:solidFill>
@@ -5851,7 +6029,7 @@
               <a:t> </a:t>
             </a:r>
             <a:r>
-              <a:rPr lang="en-US" sz="2800" dirty="0" err="1">
+              <a:rPr lang="en-US" sz="2800" dirty="0" err="1" smtClean="0">
                 <a:solidFill>
                   <a:srgbClr val="FF0000"/>
                 </a:solidFill>
@@ -5859,7 +6037,7 @@
               <a:t>juliabox.org</a:t>
             </a:r>
             <a:r>
-              <a:rPr lang="en-US" sz="2800" dirty="0">
+              <a:rPr lang="en-US" sz="2800" dirty="0" smtClean="0">
                 <a:solidFill>
                   <a:srgbClr val="FF0000"/>
                 </a:solidFill>
@@ -5867,15 +6045,15 @@
               <a:t> </a:t>
             </a:r>
             <a:r>
-              <a:rPr lang="en-US" sz="2800" dirty="0"/>
+              <a:rPr lang="en-US" sz="2800" dirty="0" smtClean="0"/>
               <a:t>for install-free </a:t>
             </a:r>
             <a:r>
-              <a:rPr lang="en-US" sz="2800" dirty="0" err="1"/>
+              <a:rPr lang="en-US" sz="2800" dirty="0" err="1" smtClean="0"/>
               <a:t>IJulia</a:t>
             </a:r>
             <a:r>
-              <a:rPr lang="en-US" sz="2800" dirty="0"/>
+              <a:rPr lang="en-US" sz="2800" dirty="0" smtClean="0"/>
               <a:t> on the Amazon cloud</a:t>
             </a:r>
           </a:p>
@@ -5886,11 +6064,11 @@
           <a:p>
             <a:pPr algn="ctr"/>
             <a:r>
-              <a:rPr lang="en-US" sz="2800" dirty="0"/>
+              <a:rPr lang="en-US" sz="2800" dirty="0" smtClean="0"/>
               <a:t>See also </a:t>
             </a:r>
             <a:r>
-              <a:rPr lang="en-US" sz="2800" dirty="0" err="1">
+              <a:rPr lang="en-US" sz="2800" dirty="0" err="1" smtClean="0">
                 <a:solidFill>
                   <a:srgbClr val="FF0000"/>
                 </a:solidFill>
@@ -5898,9 +6076,10 @@
               <a:t>julialang.org</a:t>
             </a:r>
             <a:r>
-              <a:rPr lang="en-US" sz="2800" dirty="0"/>
+              <a:rPr lang="en-US" sz="2800" dirty="0" smtClean="0"/>
               <a:t> for more tutorial materials…</a:t>
             </a:r>
+            <a:endParaRPr lang="en-US" sz="2800" dirty="0"/>
           </a:p>
         </p:txBody>
       </p:sp>
@@ -5914,6 +6093,13 @@
   <p:clrMapOvr>
     <a:masterClrMapping/>
   </p:clrMapOvr>
+  <p:timing>
+    <p:tnLst>
+      <p:par>
+        <p:cTn id="1" dur="indefinite" restart="never" nodeType="tmRoot"/>
+      </p:par>
+    </p:tnLst>
+  </p:timing>
 </p:sld>
 </file>
 
@@ -5993,22 +6179,26 @@
           <a:lstStyle/>
           <a:p>
             <a:r>
-              <a:rPr lang="en-US" dirty="0"/>
+              <a:rPr lang="en-US" dirty="0" smtClean="0"/>
               <a:t>What language for </a:t>
             </a:r>
             <a:r>
-              <a:rPr lang="en-US" dirty="0">
+              <a:rPr lang="en-US" dirty="0" smtClean="0">
                 <a:solidFill>
                   <a:srgbClr val="FF0000"/>
                 </a:solidFill>
               </a:rPr>
               <a:t>teaching</a:t>
             </a:r>
+            <a:r>
+              <a:rPr lang="en-US" dirty="0" smtClean="0"/>
+              <a:t/>
+            </a:r>
             <a:br>
-              <a:rPr lang="en-US" dirty="0"/>
+              <a:rPr lang="en-US" dirty="0" smtClean="0"/>
             </a:br>
             <a:r>
-              <a:rPr lang="en-US" dirty="0">
+              <a:rPr lang="en-US" dirty="0" smtClean="0">
                 <a:solidFill>
                   <a:srgbClr val="FF0000"/>
                 </a:solidFill>
@@ -6016,9 +6206,10 @@
               <a:t>scientific computing</a:t>
             </a:r>
             <a:r>
-              <a:rPr lang="en-US" dirty="0"/>
+              <a:rPr lang="en-US" dirty="0" smtClean="0"/>
               <a:t>?</a:t>
             </a:r>
+            <a:endParaRPr lang="en-US" dirty="0"/>
           </a:p>
         </p:txBody>
       </p:sp>
@@ -6045,11 +6236,11 @@
           <a:lstStyle/>
           <a:p>
             <a:r>
-              <a:rPr lang="en-US" sz="2000" dirty="0"/>
+              <a:rPr lang="en-US" sz="2000" dirty="0" smtClean="0"/>
               <a:t>For the most part, these are </a:t>
             </a:r>
             <a:r>
-              <a:rPr lang="en-US" sz="2000" dirty="0">
+              <a:rPr lang="en-US" sz="2000" dirty="0" smtClean="0">
                 <a:solidFill>
                   <a:srgbClr val="0000FF"/>
                 </a:solidFill>
@@ -6057,17 +6248,17 @@
               <a:t>not hard-core programming courses</a:t>
             </a:r>
             <a:r>
-              <a:rPr lang="en-US" sz="2000" dirty="0"/>
+              <a:rPr lang="en-US" sz="2000" dirty="0" smtClean="0"/>
               <a:t>,</a:t>
             </a:r>
           </a:p>
           <a:p>
             <a:r>
-              <a:rPr lang="en-US" sz="2000" dirty="0"/>
+              <a:rPr lang="en-US" sz="2000" dirty="0" smtClean="0"/>
               <a:t>and we only need </a:t>
             </a:r>
             <a:r>
-              <a:rPr lang="en-US" sz="2000" dirty="0">
+              <a:rPr lang="en-US" sz="2000" dirty="0" smtClean="0">
                 <a:solidFill>
                   <a:srgbClr val="0000FF"/>
                 </a:solidFill>
@@ -6075,9 +6266,10 @@
               <a:t>little “throw-away” scripts </a:t>
             </a:r>
             <a:r>
-              <a:rPr lang="en-US" sz="2000" dirty="0"/>
+              <a:rPr lang="en-US" sz="2000" dirty="0" smtClean="0"/>
               <a:t>and toy numerical experiments.</a:t>
             </a:r>
+            <a:endParaRPr lang="en-US" sz="2000" dirty="0"/>
           </a:p>
         </p:txBody>
       </p:sp>
@@ -6104,7 +6296,7 @@
           <a:lstStyle/>
           <a:p>
             <a:r>
-              <a:rPr lang="en-US" sz="2800" dirty="0">
+              <a:rPr lang="en-US" sz="2800" dirty="0" smtClean="0">
                 <a:solidFill>
                   <a:srgbClr val="FF0000"/>
                 </a:solidFill>
@@ -6112,11 +6304,11 @@
               <a:t>Almost any </a:t>
             </a:r>
             <a:r>
-              <a:rPr lang="en-US" sz="2800" dirty="0"/>
+              <a:rPr lang="en-US" sz="2800" dirty="0" smtClean="0"/>
               <a:t>high-level, interactive </a:t>
             </a:r>
             <a:r>
-              <a:rPr lang="en-US" sz="2800" dirty="0">
+              <a:rPr lang="en-US" sz="2800" dirty="0" smtClean="0">
                 <a:solidFill>
                   <a:srgbClr val="FF0000"/>
                 </a:solidFill>
@@ -6124,11 +6316,11 @@
               <a:t>(dynamic) language </a:t>
             </a:r>
             <a:r>
-              <a:rPr lang="en-US" sz="2800" dirty="0"/>
+              <a:rPr lang="en-US" sz="2800" dirty="0" smtClean="0"/>
               <a:t>with </a:t>
             </a:r>
             <a:r>
-              <a:rPr lang="en-US" sz="2800" dirty="0">
+              <a:rPr lang="en-US" sz="2800" dirty="0" smtClean="0">
                 <a:solidFill>
                   <a:srgbClr val="FF0000"/>
                 </a:solidFill>
@@ -6136,11 +6328,11 @@
               <a:t>easy facilities </a:t>
             </a:r>
             <a:r>
-              <a:rPr lang="en-US" sz="2800" dirty="0"/>
+              <a:rPr lang="en-US" sz="2800" dirty="0" smtClean="0"/>
               <a:t>for </a:t>
             </a:r>
             <a:r>
-              <a:rPr lang="en-US" sz="2800" dirty="0">
+              <a:rPr lang="en-US" sz="2800" dirty="0" smtClean="0">
                 <a:solidFill>
                   <a:srgbClr val="0000FF"/>
                 </a:solidFill>
@@ -6148,19 +6340,19 @@
               <a:t>linear algebra </a:t>
             </a:r>
             <a:r>
-              <a:rPr lang="en-US" sz="2800" dirty="0"/>
+              <a:rPr lang="en-US" sz="2800" dirty="0" smtClean="0"/>
               <a:t>(Ax=b, Ax=</a:t>
             </a:r>
             <a:r>
-              <a:rPr lang="el-GR" sz="2800" dirty="0"/>
+              <a:rPr lang="el-GR" sz="2800" dirty="0" smtClean="0"/>
               <a:t>λ</a:t>
             </a:r>
             <a:r>
-              <a:rPr lang="en-US" sz="2800" dirty="0"/>
+              <a:rPr lang="en-US" sz="2800" dirty="0" smtClean="0"/>
               <a:t>x), </a:t>
             </a:r>
             <a:r>
-              <a:rPr lang="en-US" sz="2800" dirty="0">
+              <a:rPr lang="en-US" sz="2800" dirty="0" smtClean="0">
                 <a:solidFill>
                   <a:srgbClr val="0000FF"/>
                 </a:solidFill>
@@ -6168,11 +6360,11 @@
               <a:t>plotting</a:t>
             </a:r>
             <a:r>
-              <a:rPr lang="en-US" sz="2800" dirty="0"/>
+              <a:rPr lang="en-US" sz="2800" dirty="0" smtClean="0"/>
               <a:t>, </a:t>
             </a:r>
             <a:r>
-              <a:rPr lang="en-US" sz="2800" dirty="0">
+              <a:rPr lang="en-US" sz="2800" dirty="0" smtClean="0">
                 <a:solidFill>
                   <a:srgbClr val="0000FF"/>
                 </a:solidFill>
@@ -6180,11 +6372,11 @@
               <a:t>mathematical</a:t>
             </a:r>
             <a:r>
-              <a:rPr lang="en-US" sz="2800" dirty="0"/>
+              <a:rPr lang="en-US" sz="2800" dirty="0" smtClean="0"/>
               <a:t> functions, and working with large </a:t>
             </a:r>
             <a:r>
-              <a:rPr lang="en-US" sz="2800" dirty="0">
+              <a:rPr lang="en-US" sz="2800" dirty="0" smtClean="0">
                 <a:solidFill>
                   <a:srgbClr val="0000FF"/>
                 </a:solidFill>
@@ -6192,7 +6384,7 @@
               <a:t>arrays</a:t>
             </a:r>
             <a:r>
-              <a:rPr lang="en-US" sz="2800" dirty="0"/>
+              <a:rPr lang="en-US" sz="2800" dirty="0" smtClean="0"/>
               <a:t> of data would be fine.</a:t>
             </a:r>
           </a:p>
@@ -6202,9 +6394,10 @@
           <a:p>
             <a:pPr algn="ctr"/>
             <a:r>
-              <a:rPr lang="en-US" sz="2800" i="1" dirty="0"/>
+              <a:rPr lang="en-US" sz="2800" i="1" dirty="0" smtClean="0"/>
               <a:t>And there are lots of choices…</a:t>
             </a:r>
+            <a:endParaRPr lang="en-US" sz="2800" i="1" dirty="0"/>
           </a:p>
         </p:txBody>
       </p:sp>
@@ -6285,7 +6478,7 @@
           <a:lstStyle/>
           <a:p>
             <a:r>
-              <a:rPr lang="en-US" dirty="0">
+              <a:rPr lang="en-US" dirty="0" smtClean="0">
                 <a:solidFill>
                   <a:srgbClr val="FF0000"/>
                 </a:solidFill>
@@ -6293,17 +6486,22 @@
               <a:t>Lots of choices </a:t>
             </a:r>
             <a:r>
-              <a:rPr lang="en-US" dirty="0"/>
+              <a:rPr lang="en-US" dirty="0" smtClean="0"/>
               <a:t>for </a:t>
             </a:r>
             <a:r>
-              <a:rPr lang="en-US" dirty="0">
+              <a:rPr lang="en-US" dirty="0" smtClean="0">
                 <a:solidFill>
                   <a:srgbClr val="FF0000"/>
                 </a:solidFill>
               </a:rPr>
               <a:t>interactive math…</a:t>
             </a:r>
+            <a:endParaRPr lang="en-US" dirty="0">
+              <a:solidFill>
+                <a:srgbClr val="FF0000"/>
+              </a:solidFill>
+            </a:endParaRPr>
           </a:p>
         </p:txBody>
       </p:sp>
@@ -6330,9 +6528,10 @@
           <a:lstStyle/>
           <a:p>
             <a:r>
-              <a:rPr lang="en-US" dirty="0"/>
+              <a:rPr lang="en-US" dirty="0" smtClean="0"/>
               <a:t>[ image: Viral Shah ]</a:t>
             </a:r>
+            <a:endParaRPr lang="en-US" dirty="0"/>
           </a:p>
         </p:txBody>
       </p:sp>
@@ -6389,36 +6588,37 @@
           <a:lstStyle/>
           <a:p>
             <a:r>
-              <a:rPr lang="en-US" dirty="0"/>
+              <a:rPr lang="en-US" dirty="0" smtClean="0"/>
               <a:t>Just pick the most popular?</a:t>
             </a:r>
             <a:br>
-              <a:rPr lang="en-US" dirty="0"/>
+              <a:rPr lang="en-US" dirty="0" smtClean="0"/>
             </a:br>
             <a:r>
-              <a:rPr lang="en-US" i="1" dirty="0" err="1"/>
+              <a:rPr lang="en-US" i="1" dirty="0" err="1" smtClean="0"/>
               <a:t>Matlab</a:t>
             </a:r>
             <a:r>
-              <a:rPr lang="en-US" dirty="0"/>
+              <a:rPr lang="en-US" dirty="0" smtClean="0"/>
               <a:t> or </a:t>
             </a:r>
             <a:r>
-              <a:rPr lang="en-US" i="1" dirty="0"/>
+              <a:rPr lang="en-US" i="1" dirty="0" smtClean="0"/>
               <a:t>Python</a:t>
             </a:r>
             <a:r>
-              <a:rPr lang="en-US" dirty="0"/>
+              <a:rPr lang="en-US" dirty="0" smtClean="0"/>
               <a:t> or </a:t>
             </a:r>
             <a:r>
-              <a:rPr lang="en-US" i="1" dirty="0"/>
+              <a:rPr lang="en-US" i="1" dirty="0" smtClean="0"/>
               <a:t>R</a:t>
             </a:r>
             <a:r>
-              <a:rPr lang="en-US" dirty="0"/>
+              <a:rPr lang="en-US" dirty="0" smtClean="0"/>
               <a:t>?</a:t>
             </a:r>
+            <a:endParaRPr lang="en-US" dirty="0"/>
           </a:p>
         </p:txBody>
       </p:sp>
@@ -6446,11 +6646,11 @@
           <a:p>
             <a:pPr algn="ctr"/>
             <a:r>
-              <a:rPr lang="en-US" sz="4400" i="1" dirty="0"/>
+              <a:rPr lang="en-US" sz="4400" i="1" dirty="0" smtClean="0"/>
               <a:t>We feel </a:t>
             </a:r>
             <a:r>
-              <a:rPr lang="en-US" sz="4400" i="1" dirty="0">
+              <a:rPr lang="en-US" sz="4400" i="1" dirty="0" smtClean="0">
                 <a:solidFill>
                   <a:srgbClr val="0000FF"/>
                 </a:solidFill>
@@ -6458,14 +6658,14 @@
               <a:t>guilty pushing a language </a:t>
             </a:r>
             <a:r>
-              <a:rPr lang="en-US" sz="4400" i="1" dirty="0"/>
+              <a:rPr lang="en-US" sz="4400" i="1" dirty="0" smtClean="0"/>
               <a:t>on you that we</a:t>
             </a:r>
           </a:p>
           <a:p>
             <a:pPr algn="ctr"/>
             <a:r>
-              <a:rPr lang="en-US" sz="4400" i="1" dirty="0">
+              <a:rPr lang="en-US" sz="4400" i="1" dirty="0" smtClean="0">
                 <a:solidFill>
                   <a:srgbClr val="0000FF"/>
                 </a:solidFill>
@@ -6473,11 +6673,11 @@
               <a:t>are starting </a:t>
             </a:r>
             <a:r>
-              <a:rPr lang="en-US" sz="4400" i="1" dirty="0"/>
+              <a:rPr lang="en-US" sz="4400" i="1" dirty="0" smtClean="0"/>
               <a:t>to </a:t>
             </a:r>
             <a:r>
-              <a:rPr lang="en-US" sz="4400" i="1" dirty="0">
+              <a:rPr lang="en-US" sz="4400" i="1" dirty="0" smtClean="0">
                 <a:solidFill>
                   <a:srgbClr val="0000FF"/>
                 </a:solidFill>
@@ -6485,7 +6685,7 @@
               <a:t>abandon ourselves</a:t>
             </a:r>
             <a:r>
-              <a:rPr lang="en-US" sz="4400" i="1" dirty="0"/>
+              <a:rPr lang="en-US" sz="4400" i="1" dirty="0" smtClean="0"/>
               <a:t>.</a:t>
             </a:r>
           </a:p>
@@ -6496,14 +6696,14 @@
           <a:p>
             <a:pPr algn="ctr"/>
             <a:r>
-              <a:rPr lang="en-US" sz="4400" dirty="0"/>
+              <a:rPr lang="en-US" sz="4400" dirty="0" smtClean="0"/>
               <a:t>Traditional HL computing languages</a:t>
             </a:r>
           </a:p>
           <a:p>
             <a:pPr algn="ctr"/>
             <a:r>
-              <a:rPr lang="en-US" sz="4400" dirty="0">
+              <a:rPr lang="en-US" sz="4400" dirty="0" smtClean="0">
                 <a:solidFill>
                   <a:srgbClr val="FF0000"/>
                 </a:solidFill>
@@ -6511,22 +6711,22 @@
               <a:t>hit a performance wall </a:t>
             </a:r>
             <a:r>
-              <a:rPr lang="en-US" sz="4400" dirty="0"/>
+              <a:rPr lang="en-US" sz="4400" dirty="0" smtClean="0"/>
               <a:t>in “real” work</a:t>
             </a:r>
           </a:p>
           <a:p>
             <a:pPr algn="ctr"/>
             <a:r>
-              <a:rPr lang="en-US" sz="4400" dirty="0"/>
+              <a:rPr lang="en-US" sz="4400" dirty="0" smtClean="0"/>
               <a:t>… eventually force you to C, </a:t>
             </a:r>
             <a:r>
-              <a:rPr lang="en-US" sz="4400" dirty="0" err="1"/>
+              <a:rPr lang="en-US" sz="4400" dirty="0" err="1" smtClean="0"/>
               <a:t>Cython</a:t>
             </a:r>
             <a:r>
-              <a:rPr lang="en-US" sz="4400" dirty="0"/>
+              <a:rPr lang="en-US" sz="4400" dirty="0" smtClean="0"/>
               <a:t>, …</a:t>
             </a:r>
           </a:p>
@@ -6583,9 +6783,10 @@
           <a:lstStyle/>
           <a:p>
             <a:r>
-              <a:rPr lang="en-US" dirty="0"/>
+              <a:rPr lang="en-US" dirty="0" smtClean="0"/>
               <a:t>A new programming language?</a:t>
             </a:r>
+            <a:endParaRPr lang="en-US" dirty="0"/>
           </a:p>
         </p:txBody>
       </p:sp>
@@ -6732,7 +6933,7 @@
           <a:lstStyle/>
           <a:p>
             <a:r>
-              <a:rPr lang="en-US" sz="2400" u="sng" dirty="0" err="1">
+              <a:rPr lang="en-US" sz="2400" u="sng" dirty="0" err="1" smtClean="0">
                 <a:solidFill>
                   <a:srgbClr val="FF0000"/>
                 </a:solidFill>
@@ -6755,8 +6956,8 @@
         </p:nvSpPr>
         <p:spPr>
           <a:xfrm>
-            <a:off x="4674949" y="4045691"/>
-            <a:ext cx="4190250" cy="923330"/>
+            <a:off x="4674917" y="4045691"/>
+            <a:ext cx="4190314" cy="646331"/>
           </a:xfrm>
           <a:prstGeom prst="rect">
             <a:avLst/>
@@ -6771,23 +6972,49 @@
           <a:p>
             <a:pPr algn="ctr"/>
             <a:r>
-              <a:rPr lang="en-US" dirty="0"/>
-              <a:t>[begun 2009, “0.1” in 2013, ~40k commits,</a:t>
+              <a:rPr lang="en-US" dirty="0" smtClean="0"/>
+              <a:t>[begun 2009, “0.1” in 2013, </a:t>
+            </a:r>
+            <a:r>
+              <a:rPr lang="en-US" dirty="0" smtClean="0"/>
+              <a:t>~</a:t>
+            </a:r>
+            <a:r>
+              <a:rPr lang="en-US" dirty="0" smtClean="0"/>
+              <a:t>40</a:t>
+            </a:r>
+            <a:r>
+              <a:rPr lang="en-US" dirty="0" smtClean="0"/>
+              <a:t>k </a:t>
+            </a:r>
+            <a:r>
+              <a:rPr lang="en-US" dirty="0" smtClean="0"/>
+              <a:t>commits,</a:t>
             </a:r>
           </a:p>
           <a:p>
             <a:pPr algn="ctr"/>
             <a:r>
-              <a:rPr lang="en-US" dirty="0"/>
-              <a:t>“0.6” release in June 2017,</a:t>
-            </a:r>
-          </a:p>
-          <a:p>
-            <a:pPr algn="ctr"/>
-            <a:r>
-              <a:rPr lang="en-US" dirty="0"/>
-              <a:t>1.0 release in August 2018 ]</a:t>
-            </a:r>
+              <a:rPr lang="en-US" dirty="0" smtClean="0"/>
+              <a:t>“</a:t>
+            </a:r>
+            <a:r>
+              <a:rPr lang="en-US" dirty="0" smtClean="0"/>
+              <a:t>0.6” </a:t>
+            </a:r>
+            <a:r>
+              <a:rPr lang="en-US" dirty="0" smtClean="0"/>
+              <a:t>release in </a:t>
+            </a:r>
+            <a:r>
+              <a:rPr lang="en-US" dirty="0" smtClean="0"/>
+              <a:t>June 2017 </a:t>
+            </a:r>
+            <a:r>
+              <a:rPr lang="en-US" dirty="0" smtClean="0"/>
+              <a:t>]</a:t>
+            </a:r>
+            <a:endParaRPr lang="en-US" dirty="0"/>
           </a:p>
         </p:txBody>
       </p:sp>
@@ -6814,53 +7041,12 @@
           <a:lstStyle/>
           <a:p>
             <a:r>
-              <a:rPr lang="en-US" dirty="0">
+              <a:rPr lang="en-US" dirty="0" smtClean="0">
                 <a:solidFill>
                   <a:srgbClr val="0000FF"/>
                 </a:solidFill>
               </a:rPr>
               <a:t>Alan Edelman</a:t>
-            </a:r>
-          </a:p>
-        </p:txBody>
-      </p:sp>
-      <p:sp>
-        <p:nvSpPr>
-          <p:cNvPr id="11" name="TextBox 10"/>
-          <p:cNvSpPr txBox="1"/>
-          <p:nvPr/>
-        </p:nvSpPr>
-        <p:spPr>
-          <a:xfrm>
-            <a:off x="127489" y="1328586"/>
-            <a:ext cx="1456724" cy="369332"/>
-          </a:xfrm>
-          <a:prstGeom prst="rect">
-            <a:avLst/>
-          </a:prstGeom>
-          <a:noFill/>
-        </p:spPr>
-        <p:txBody>
-          <a:bodyPr wrap="none" rtlCol="0">
-            <a:spAutoFit/>
-          </a:bodyPr>
-          <a:lstStyle/>
-          <a:p>
-            <a:r>
-              <a:rPr lang="en-US" dirty="0">
-                <a:solidFill>
-                  <a:srgbClr val="0000FF"/>
-                </a:solidFill>
-              </a:rPr>
-              <a:t>Jeff </a:t>
-            </a:r>
-            <a:r>
-              <a:rPr lang="en-US" dirty="0" err="1">
-                <a:solidFill>
-                  <a:srgbClr val="0000FF"/>
-                </a:solidFill>
-              </a:rPr>
-              <a:t>Bezanson</a:t>
             </a:r>
             <a:endParaRPr lang="en-US" dirty="0">
               <a:solidFill>
@@ -6872,14 +7058,14 @@
       </p:sp>
       <p:sp>
         <p:nvSpPr>
-          <p:cNvPr id="13" name="TextBox 12"/>
+          <p:cNvPr id="11" name="TextBox 10"/>
           <p:cNvSpPr txBox="1"/>
           <p:nvPr/>
         </p:nvSpPr>
         <p:spPr>
           <a:xfrm>
-            <a:off x="1651059" y="938002"/>
-            <a:ext cx="1124001" cy="369332"/>
+            <a:off x="127489" y="1328586"/>
+            <a:ext cx="1456724" cy="369332"/>
           </a:xfrm>
           <a:prstGeom prst="rect">
             <a:avLst/>
@@ -6893,53 +7079,20 @@
           <a:lstStyle/>
           <a:p>
             <a:r>
-              <a:rPr lang="en-US" dirty="0">
+              <a:rPr lang="en-US" dirty="0" smtClean="0">
                 <a:solidFill>
                   <a:srgbClr val="0000FF"/>
                 </a:solidFill>
               </a:rPr>
-              <a:t>Viral Shah</a:t>
-            </a:r>
-          </a:p>
-        </p:txBody>
-      </p:sp>
-      <p:sp>
-        <p:nvSpPr>
-          <p:cNvPr id="14" name="TextBox 13"/>
-          <p:cNvSpPr txBox="1"/>
-          <p:nvPr/>
-        </p:nvSpPr>
-        <p:spPr>
-          <a:xfrm>
-            <a:off x="1350251" y="3784447"/>
-            <a:ext cx="1692065" cy="369332"/>
-          </a:xfrm>
-          <a:prstGeom prst="rect">
-            <a:avLst/>
-          </a:prstGeom>
-          <a:noFill/>
-        </p:spPr>
-        <p:txBody>
-          <a:bodyPr wrap="none" rtlCol="0">
-            <a:spAutoFit/>
-          </a:bodyPr>
-          <a:lstStyle/>
-          <a:p>
-            <a:r>
-              <a:rPr lang="en-US" dirty="0">
+              <a:t>Jeff </a:t>
+            </a:r>
+            <a:r>
+              <a:rPr lang="en-US" dirty="0" err="1" smtClean="0">
                 <a:solidFill>
                   <a:srgbClr val="0000FF"/>
                 </a:solidFill>
               </a:rPr>
-              <a:t>Stefan </a:t>
-            </a:r>
-            <a:r>
-              <a:rPr lang="en-US" dirty="0" err="1">
-                <a:solidFill>
-                  <a:srgbClr val="0000FF"/>
-                </a:solidFill>
-              </a:rPr>
-              <a:t>Karpinski</a:t>
+              <a:t>Bezanson</a:t>
             </a:r>
             <a:endParaRPr lang="en-US" dirty="0">
               <a:solidFill>
@@ -6951,14 +7104,14 @@
       </p:sp>
       <p:sp>
         <p:nvSpPr>
-          <p:cNvPr id="15" name="TextBox 14"/>
+          <p:cNvPr id="13" name="TextBox 12"/>
           <p:cNvSpPr txBox="1"/>
           <p:nvPr/>
         </p:nvSpPr>
         <p:spPr>
           <a:xfrm>
-            <a:off x="-350390" y="4230357"/>
-            <a:ext cx="5052397" cy="646331"/>
+            <a:off x="1651059" y="938002"/>
+            <a:ext cx="1124001" cy="369332"/>
           </a:xfrm>
           <a:prstGeom prst="rect">
             <a:avLst/>
@@ -6971,71 +7124,32 @@
           </a:bodyPr>
           <a:lstStyle/>
           <a:p>
-            <a:pPr algn="ctr"/>
-            <a:r>
-              <a:rPr lang="en-US" dirty="0">
+            <a:r>
+              <a:rPr lang="en-US" dirty="0" smtClean="0">
                 <a:solidFill>
                   <a:srgbClr val="0000FF"/>
                 </a:solidFill>
               </a:rPr>
-              <a:t>[ 30+ developers with 100+ commits,</a:t>
-            </a:r>
-          </a:p>
-          <a:p>
-            <a:pPr algn="ctr"/>
-            <a:r>
-              <a:rPr lang="en-US" dirty="0">
-                <a:solidFill>
-                  <a:srgbClr val="0000FF"/>
-                </a:solidFill>
-              </a:rPr>
-              <a:t>	1000+ external packages, 4</a:t>
-            </a:r>
-            <a:r>
-              <a:rPr lang="en-US" baseline="30000" dirty="0">
-                <a:solidFill>
-                  <a:srgbClr val="0000FF"/>
-                </a:solidFill>
-              </a:rPr>
-              <a:t>th</a:t>
-            </a:r>
-            <a:r>
-              <a:rPr lang="en-US" dirty="0">
-                <a:solidFill>
-                  <a:srgbClr val="0000FF"/>
-                </a:solidFill>
-              </a:rPr>
-              <a:t> </a:t>
-            </a:r>
-            <a:r>
-              <a:rPr lang="en-US" dirty="0" err="1">
-                <a:solidFill>
-                  <a:srgbClr val="0000FF"/>
-                </a:solidFill>
-              </a:rPr>
-              <a:t>JuliaCon</a:t>
-            </a:r>
-            <a:r>
-              <a:rPr lang="en-US" dirty="0">
-                <a:solidFill>
-                  <a:srgbClr val="0000FF"/>
-                </a:solidFill>
-              </a:rPr>
-              <a:t> in 2017 ]</a:t>
-            </a:r>
-          </a:p>
-        </p:txBody>
-      </p:sp>
-      <p:sp>
-        <p:nvSpPr>
-          <p:cNvPr id="12" name="TextBox 11"/>
+              <a:t>Viral Shah</a:t>
+            </a:r>
+            <a:endParaRPr lang="en-US" dirty="0">
+              <a:solidFill>
+                <a:srgbClr val="0000FF"/>
+              </a:solidFill>
+            </a:endParaRPr>
+          </a:p>
+        </p:txBody>
+      </p:sp>
+      <p:sp>
+        <p:nvSpPr>
+          <p:cNvPr id="14" name="TextBox 13"/>
           <p:cNvSpPr txBox="1"/>
           <p:nvPr/>
         </p:nvSpPr>
         <p:spPr>
           <a:xfrm>
-            <a:off x="3202689" y="3136789"/>
-            <a:ext cx="798604" cy="369332"/>
+            <a:off x="1350251" y="3784447"/>
+            <a:ext cx="1692065" cy="369332"/>
           </a:xfrm>
           <a:prstGeom prst="rect">
             <a:avLst/>
@@ -7049,22 +7163,39 @@
           <a:lstStyle/>
           <a:p>
             <a:r>
-              <a:rPr lang="en-US" dirty="0"/>
-              <a:t>[ MIT ]</a:t>
-            </a:r>
-          </a:p>
-        </p:txBody>
-      </p:sp>
-      <p:sp>
-        <p:nvSpPr>
-          <p:cNvPr id="21" name="TextBox 20"/>
+              <a:rPr lang="en-US" dirty="0" smtClean="0">
+                <a:solidFill>
+                  <a:srgbClr val="0000FF"/>
+                </a:solidFill>
+              </a:rPr>
+              <a:t>Stefan </a:t>
+            </a:r>
+            <a:r>
+              <a:rPr lang="en-US" dirty="0" err="1" smtClean="0">
+                <a:solidFill>
+                  <a:srgbClr val="0000FF"/>
+                </a:solidFill>
+              </a:rPr>
+              <a:t>Karpinski</a:t>
+            </a:r>
+            <a:endParaRPr lang="en-US" dirty="0">
+              <a:solidFill>
+                <a:srgbClr val="0000FF"/>
+              </a:solidFill>
+            </a:endParaRPr>
+          </a:p>
+        </p:txBody>
+      </p:sp>
+      <p:sp>
+        <p:nvSpPr>
+          <p:cNvPr id="15" name="TextBox 14"/>
           <p:cNvSpPr txBox="1"/>
           <p:nvPr/>
         </p:nvSpPr>
         <p:spPr>
           <a:xfrm>
-            <a:off x="395627" y="5015624"/>
-            <a:ext cx="8229600" cy="1569660"/>
+            <a:off x="-350390" y="4230357"/>
+            <a:ext cx="5052397" cy="646331"/>
           </a:xfrm>
           <a:prstGeom prst="rect">
             <a:avLst/>
@@ -7072,6 +7203,150 @@
           <a:noFill/>
         </p:spPr>
         <p:txBody>
+          <a:bodyPr wrap="none" rtlCol="0">
+            <a:spAutoFit/>
+          </a:bodyPr>
+          <a:lstStyle/>
+          <a:p>
+            <a:pPr algn="ctr"/>
+            <a:r>
+              <a:rPr lang="en-US" dirty="0" smtClean="0">
+                <a:solidFill>
+                  <a:srgbClr val="0000FF"/>
+                </a:solidFill>
+              </a:rPr>
+              <a:t>[ 30+ developers with 100+ commits,</a:t>
+            </a:r>
+          </a:p>
+          <a:p>
+            <a:pPr algn="ctr"/>
+            <a:r>
+              <a:rPr lang="en-US" dirty="0">
+                <a:solidFill>
+                  <a:srgbClr val="0000FF"/>
+                </a:solidFill>
+              </a:rPr>
+              <a:t>	</a:t>
+            </a:r>
+            <a:r>
+              <a:rPr lang="en-US" dirty="0" smtClean="0">
+                <a:solidFill>
+                  <a:srgbClr val="0000FF"/>
+                </a:solidFill>
+              </a:rPr>
+              <a:t>1000+ external packages, </a:t>
+            </a:r>
+            <a:r>
+              <a:rPr lang="en-US" dirty="0" smtClean="0">
+                <a:solidFill>
+                  <a:srgbClr val="0000FF"/>
+                </a:solidFill>
+              </a:rPr>
+              <a:t>4</a:t>
+            </a:r>
+            <a:r>
+              <a:rPr lang="en-US" baseline="30000" dirty="0" smtClean="0">
+                <a:solidFill>
+                  <a:srgbClr val="0000FF"/>
+                </a:solidFill>
+              </a:rPr>
+              <a:t>th</a:t>
+            </a:r>
+            <a:r>
+              <a:rPr lang="en-US" dirty="0" smtClean="0">
+                <a:solidFill>
+                  <a:srgbClr val="0000FF"/>
+                </a:solidFill>
+              </a:rPr>
+              <a:t> </a:t>
+            </a:r>
+            <a:r>
+              <a:rPr lang="en-US" dirty="0" err="1" smtClean="0">
+                <a:solidFill>
+                  <a:srgbClr val="0000FF"/>
+                </a:solidFill>
+              </a:rPr>
+              <a:t>JuliaCon</a:t>
+            </a:r>
+            <a:r>
+              <a:rPr lang="en-US" dirty="0" smtClean="0">
+                <a:solidFill>
+                  <a:srgbClr val="0000FF"/>
+                </a:solidFill>
+              </a:rPr>
+              <a:t> in </a:t>
+            </a:r>
+            <a:r>
+              <a:rPr lang="en-US" dirty="0" smtClean="0">
+                <a:solidFill>
+                  <a:srgbClr val="0000FF"/>
+                </a:solidFill>
+              </a:rPr>
+              <a:t>2017 </a:t>
+            </a:r>
+            <a:r>
+              <a:rPr lang="en-US" dirty="0" smtClean="0">
+                <a:solidFill>
+                  <a:srgbClr val="0000FF"/>
+                </a:solidFill>
+              </a:rPr>
+              <a:t>]</a:t>
+            </a:r>
+            <a:endParaRPr lang="en-US" dirty="0">
+              <a:solidFill>
+                <a:srgbClr val="0000FF"/>
+              </a:solidFill>
+            </a:endParaRPr>
+          </a:p>
+        </p:txBody>
+      </p:sp>
+      <p:sp>
+        <p:nvSpPr>
+          <p:cNvPr id="12" name="TextBox 11"/>
+          <p:cNvSpPr txBox="1"/>
+          <p:nvPr/>
+        </p:nvSpPr>
+        <p:spPr>
+          <a:xfrm>
+            <a:off x="3202689" y="3136789"/>
+            <a:ext cx="798604" cy="369332"/>
+          </a:xfrm>
+          <a:prstGeom prst="rect">
+            <a:avLst/>
+          </a:prstGeom>
+          <a:noFill/>
+        </p:spPr>
+        <p:txBody>
+          <a:bodyPr wrap="none" rtlCol="0">
+            <a:spAutoFit/>
+          </a:bodyPr>
+          <a:lstStyle/>
+          <a:p>
+            <a:r>
+              <a:rPr lang="en-US" dirty="0" smtClean="0"/>
+              <a:t>[ MIT ]</a:t>
+            </a:r>
+            <a:endParaRPr lang="en-US" dirty="0"/>
+          </a:p>
+        </p:txBody>
+      </p:sp>
+      <p:sp>
+        <p:nvSpPr>
+          <p:cNvPr id="21" name="TextBox 20"/>
+          <p:cNvSpPr txBox="1"/>
+          <p:nvPr/>
+        </p:nvSpPr>
+        <p:spPr>
+          <a:xfrm>
+            <a:off x="395627" y="5015624"/>
+            <a:ext cx="8229600" cy="1569660"/>
+          </a:xfrm>
+          <a:prstGeom prst="rect">
+            <a:avLst/>
+          </a:prstGeom>
+          <a:noFill/>
+        </p:spPr>
+        <p:txBody>
           <a:bodyPr wrap="square" rtlCol="0">
             <a:spAutoFit/>
           </a:bodyPr>
@@ -7079,11 +7354,11 @@
           <a:p>
             <a:pPr algn="ctr"/>
             <a:r>
-              <a:rPr lang="en-US" sz="2400" dirty="0"/>
+              <a:rPr lang="en-US" sz="2400" dirty="0" smtClean="0"/>
               <a:t>As </a:t>
             </a:r>
             <a:r>
-              <a:rPr lang="en-US" sz="2400" dirty="0">
+              <a:rPr lang="en-US" sz="2400" dirty="0" smtClean="0">
                 <a:solidFill>
                   <a:srgbClr val="FF0000"/>
                 </a:solidFill>
@@ -7091,34 +7366,34 @@
               <a:t>high-level and interactive </a:t>
             </a:r>
             <a:r>
-              <a:rPr lang="en-US" sz="2400" dirty="0"/>
+              <a:rPr lang="en-US" sz="2400" dirty="0" smtClean="0"/>
               <a:t>as </a:t>
             </a:r>
             <a:r>
-              <a:rPr lang="en-US" sz="2400" dirty="0" err="1"/>
+              <a:rPr lang="en-US" sz="2400" dirty="0" err="1" smtClean="0"/>
               <a:t>Matlab</a:t>
             </a:r>
             <a:r>
-              <a:rPr lang="en-US" sz="2400" dirty="0"/>
+              <a:rPr lang="en-US" sz="2400" dirty="0" smtClean="0"/>
               <a:t> or </a:t>
             </a:r>
             <a:r>
-              <a:rPr lang="en-US" sz="2400" dirty="0" err="1"/>
+              <a:rPr lang="en-US" sz="2400" dirty="0" err="1" smtClean="0"/>
               <a:t>Python+IPython</a:t>
             </a:r>
             <a:r>
-              <a:rPr lang="en-US" sz="2400" dirty="0"/>
+              <a:rPr lang="en-US" sz="2400" dirty="0" smtClean="0"/>
               <a:t>,</a:t>
             </a:r>
           </a:p>
           <a:p>
             <a:pPr algn="ctr"/>
             <a:r>
-              <a:rPr lang="en-US" sz="2400" dirty="0"/>
+              <a:rPr lang="en-US" sz="2400" dirty="0" smtClean="0"/>
               <a:t>as </a:t>
             </a:r>
             <a:r>
-              <a:rPr lang="en-US" sz="2400" dirty="0">
+              <a:rPr lang="en-US" sz="2400" dirty="0" smtClean="0">
                 <a:solidFill>
                   <a:srgbClr val="FF0000"/>
                 </a:solidFill>
@@ -7126,18 +7401,18 @@
               <a:t>general-purpose </a:t>
             </a:r>
             <a:r>
-              <a:rPr lang="en-US" sz="2400" dirty="0"/>
+              <a:rPr lang="en-US" sz="2400" dirty="0" smtClean="0"/>
               <a:t>as Python,</a:t>
             </a:r>
           </a:p>
           <a:p>
             <a:pPr algn="ctr"/>
             <a:r>
-              <a:rPr lang="en-US" sz="2400" dirty="0"/>
+              <a:rPr lang="en-US" sz="2400" dirty="0" smtClean="0"/>
               <a:t>as productive for </a:t>
             </a:r>
             <a:r>
-              <a:rPr lang="en-US" sz="2400" dirty="0">
+              <a:rPr lang="en-US" sz="2400" dirty="0" smtClean="0">
                 <a:solidFill>
                   <a:srgbClr val="FF0000"/>
                 </a:solidFill>
@@ -7145,34 +7420,34 @@
               <a:t>technical</a:t>
             </a:r>
             <a:r>
-              <a:rPr lang="en-US" sz="2400" dirty="0"/>
+              <a:rPr lang="en-US" sz="2400" dirty="0" smtClean="0"/>
               <a:t> work as </a:t>
             </a:r>
             <a:r>
-              <a:rPr lang="en-US" sz="2400" dirty="0" err="1"/>
+              <a:rPr lang="en-US" sz="2400" dirty="0" err="1" smtClean="0"/>
               <a:t>Matlab</a:t>
             </a:r>
             <a:r>
-              <a:rPr lang="en-US" sz="2400" dirty="0"/>
+              <a:rPr lang="en-US" sz="2400" dirty="0" smtClean="0"/>
               <a:t> or </a:t>
             </a:r>
             <a:r>
-              <a:rPr lang="en-US" sz="2400" dirty="0" err="1"/>
+              <a:rPr lang="en-US" sz="2400" dirty="0" err="1" smtClean="0"/>
               <a:t>Python+SciPy</a:t>
             </a:r>
             <a:r>
-              <a:rPr lang="en-US" sz="2400" dirty="0"/>
+              <a:rPr lang="en-US" sz="2400" dirty="0" smtClean="0"/>
               <a:t>,</a:t>
             </a:r>
           </a:p>
           <a:p>
             <a:pPr algn="ctr"/>
             <a:r>
-              <a:rPr lang="en-US" sz="2400" dirty="0"/>
+              <a:rPr lang="en-US" sz="2400" dirty="0" smtClean="0"/>
               <a:t>but as </a:t>
             </a:r>
             <a:r>
-              <a:rPr lang="en-US" sz="2400" b="1" dirty="0">
+              <a:rPr lang="en-US" sz="2400" b="1" dirty="0" smtClean="0">
                 <a:solidFill>
                   <a:srgbClr val="0000FF"/>
                 </a:solidFill>
@@ -7180,9 +7455,10 @@
               <a:t>fast as C</a:t>
             </a:r>
             <a:r>
-              <a:rPr lang="en-US" sz="2400" dirty="0"/>
+              <a:rPr lang="en-US" sz="2400" dirty="0" smtClean="0"/>
               <a:t>.</a:t>
             </a:r>
+            <a:endParaRPr lang="en-US" sz="2400" dirty="0"/>
           </a:p>
         </p:txBody>
       </p:sp>
@@ -7196,6 +7472,13 @@
   <p:clrMapOvr>
     <a:masterClrMapping/>
   </p:clrMapOvr>
+  <p:timing>
+    <p:tnLst>
+      <p:par>
+        <p:cTn id="1" dur="indefinite" restart="never" nodeType="tmRoot"/>
+      </p:par>
+    </p:tnLst>
+  </p:timing>
 </p:sld>
 </file>
 
@@ -7240,8 +7523,13 @@
           <a:p>
             <a:r>
               <a:rPr lang="en-US" sz="3600" dirty="0"/>
-              <a:t>Performance on synthetic benchmarks</a:t>
-            </a:r>
+              <a:t>P</a:t>
+            </a:r>
+            <a:r>
+              <a:rPr lang="en-US" sz="3600" dirty="0" smtClean="0"/>
+              <a:t>erformance on synthetic benchmarks</a:t>
+            </a:r>
+            <a:endParaRPr lang="en-US" sz="3600" dirty="0"/>
           </a:p>
         </p:txBody>
       </p:sp>
@@ -7292,9 +7580,10 @@
           <a:lstStyle/>
           <a:p>
             <a:r>
-              <a:rPr lang="en-US" dirty="0"/>
+              <a:rPr lang="en-US" dirty="0" smtClean="0"/>
               <a:t>[ loops, recursion, etc., implemented in most straightforward style ]</a:t>
             </a:r>
+            <a:endParaRPr lang="en-US" dirty="0"/>
           </a:p>
         </p:txBody>
       </p:sp>
@@ -7321,9 +7610,10 @@
           <a:lstStyle/>
           <a:p>
             <a:r>
-              <a:rPr lang="en-US" dirty="0"/>
+              <a:rPr lang="en-US" dirty="0" smtClean="0"/>
               <a:t>(normalized so that C speed = 1)</a:t>
             </a:r>
+            <a:endParaRPr lang="en-US" dirty="0"/>
           </a:p>
         </p:txBody>
       </p:sp>
@@ -7337,6 +7627,21 @@
   <p:clrMapOvr>
     <a:masterClrMapping/>
   </p:clrMapOvr>
+  <mc:AlternateContent xmlns:mc="http://schemas.openxmlformats.org/markup-compatibility/2006" xmlns:p14="http://schemas.microsoft.com/office/powerpoint/2010/main">
+    <mc:Choice Requires="p14">
+      <p:transition spd="slow" p14:dur="2000"/>
+    </mc:Choice>
+    <mc:Fallback xmlns="">
+      <p:transition xmlns:p14="http://schemas.microsoft.com/office/powerpoint/2010/main" spd="slow"/>
+    </mc:Fallback>
+  </mc:AlternateContent>
+  <p:timing>
+    <p:tnLst>
+      <p:par>
+        <p:cTn id="1" dur="indefinite" restart="never" nodeType="tmRoot"/>
+      </p:par>
+    </p:tnLst>
+  </p:timing>
 </p:sld>
 </file>
 
@@ -7378,9 +7683,10 @@
           <a:lstStyle/>
           <a:p>
             <a:r>
-              <a:rPr lang="en-US" dirty="0"/>
+              <a:rPr lang="en-US" dirty="0" smtClean="0"/>
               <a:t>Special Functions in Julia</a:t>
             </a:r>
+            <a:endParaRPr lang="en-US" dirty="0"/>
           </a:p>
         </p:txBody>
       </p:sp>
@@ -7407,39 +7713,44 @@
           <a:lstStyle/>
           <a:p>
             <a:r>
+              <a:rPr lang="en-US" dirty="0" smtClean="0"/>
+              <a:t>Special functions s(x): </a:t>
+            </a:r>
+            <a:r>
+              <a:rPr lang="en-US" dirty="0" smtClean="0">
+                <a:solidFill>
+                  <a:srgbClr val="0000FF"/>
+                </a:solidFill>
+              </a:rPr>
+              <a:t>classic case that cannot be </a:t>
+            </a:r>
+            <a:r>
+              <a:rPr lang="en-US" dirty="0" err="1" smtClean="0">
+                <a:solidFill>
+                  <a:srgbClr val="0000FF"/>
+                </a:solidFill>
+              </a:rPr>
+              <a:t>vectorized</a:t>
+            </a:r>
+            <a:r>
+              <a:rPr lang="en-US" dirty="0" smtClean="0">
+                <a:solidFill>
+                  <a:srgbClr val="0000FF"/>
+                </a:solidFill>
+              </a:rPr>
+              <a:t> well</a:t>
+            </a:r>
+          </a:p>
+          <a:p>
+            <a:r>
               <a:rPr lang="en-US" dirty="0"/>
-              <a:t>Special functions s(x): </a:t>
-            </a:r>
-            <a:r>
-              <a:rPr lang="en-US" dirty="0">
-                <a:solidFill>
-                  <a:srgbClr val="0000FF"/>
-                </a:solidFill>
-              </a:rPr>
-              <a:t>classic case that cannot be </a:t>
-            </a:r>
-            <a:r>
-              <a:rPr lang="en-US" dirty="0" err="1">
-                <a:solidFill>
-                  <a:srgbClr val="0000FF"/>
-                </a:solidFill>
-              </a:rPr>
-              <a:t>vectorized</a:t>
-            </a:r>
-            <a:r>
-              <a:rPr lang="en-US" dirty="0">
-                <a:solidFill>
-                  <a:srgbClr val="0000FF"/>
-                </a:solidFill>
-              </a:rPr>
-              <a:t> well</a:t>
-            </a:r>
-          </a:p>
-          <a:p>
-            <a:r>
-              <a:rPr lang="en-US" dirty="0"/>
-              <a:t>					… switch between various polynomials depending on x</a:t>
-            </a:r>
+              <a:t>	</a:t>
+            </a:r>
+            <a:r>
+              <a:rPr lang="en-US" dirty="0" smtClean="0"/>
+              <a:t>				… switch between various polynomials depending on x</a:t>
+            </a:r>
+            <a:endParaRPr lang="en-US" dirty="0"/>
           </a:p>
         </p:txBody>
       </p:sp>
@@ -7467,18 +7778,18 @@
           <a:p>
             <a:pPr algn="ctr"/>
             <a:r>
-              <a:rPr lang="en-US" sz="2400" dirty="0"/>
+              <a:rPr lang="en-US" sz="2400" dirty="0" smtClean="0"/>
               <a:t>Many of Julia’s special functions come from the usual C/Fortran libraries,</a:t>
             </a:r>
           </a:p>
           <a:p>
             <a:pPr algn="ctr"/>
             <a:r>
-              <a:rPr lang="en-US" sz="2400" dirty="0"/>
+              <a:rPr lang="en-US" sz="2400" dirty="0" smtClean="0"/>
               <a:t>but </a:t>
             </a:r>
             <a:r>
-              <a:rPr lang="en-US" sz="2400" dirty="0">
+              <a:rPr lang="en-US" sz="2400" dirty="0" smtClean="0">
                 <a:solidFill>
                   <a:srgbClr val="0000FF"/>
                 </a:solidFill>
@@ -7486,11 +7797,11 @@
               <a:t>some </a:t>
             </a:r>
             <a:r>
-              <a:rPr lang="en-US" sz="2400" dirty="0"/>
+              <a:rPr lang="en-US" sz="2400" dirty="0" smtClean="0"/>
               <a:t>are written in </a:t>
             </a:r>
             <a:r>
-              <a:rPr lang="en-US" sz="2400" dirty="0">
+              <a:rPr lang="en-US" sz="2400" dirty="0" smtClean="0">
                 <a:solidFill>
                   <a:srgbClr val="0000FF"/>
                 </a:solidFill>
@@ -7498,9 +7809,10 @@
               <a:t>pure Julia </a:t>
             </a:r>
             <a:r>
-              <a:rPr lang="en-US" sz="2400" dirty="0"/>
+              <a:rPr lang="en-US" sz="2400" dirty="0" smtClean="0"/>
               <a:t>code.</a:t>
             </a:r>
+            <a:endParaRPr lang="en-US" sz="2400" dirty="0"/>
           </a:p>
         </p:txBody>
       </p:sp>
@@ -7527,11 +7839,11 @@
           <a:lstStyle/>
           <a:p>
             <a:r>
-              <a:rPr lang="en-US" sz="2000" dirty="0"/>
+              <a:rPr lang="en-US" sz="2000" dirty="0" smtClean="0"/>
               <a:t>Pure Julia </a:t>
             </a:r>
             <a:r>
-              <a:rPr lang="en-US" sz="2000" dirty="0" err="1">
+              <a:rPr lang="en-US" sz="2000" dirty="0" err="1" smtClean="0">
                 <a:solidFill>
                   <a:srgbClr val="0000FF"/>
                 </a:solidFill>
@@ -7539,38 +7851,54 @@
               <a:t>erfinv</a:t>
             </a:r>
             <a:r>
+              <a:rPr lang="en-US" sz="2000" dirty="0" smtClean="0">
+                <a:solidFill>
+                  <a:srgbClr val="0000FF"/>
+                </a:solidFill>
+              </a:rPr>
+              <a:t>(x) </a:t>
+            </a:r>
+            <a:r>
+              <a:rPr lang="en-US" sz="2000" dirty="0" smtClean="0"/>
+              <a:t>[ = </a:t>
+            </a:r>
+            <a:r>
+              <a:rPr lang="en-US" sz="2000" dirty="0" err="1" smtClean="0"/>
+              <a:t>erf</a:t>
+            </a:r>
+            <a:r>
+              <a:rPr lang="en-US" sz="2000" baseline="30000" dirty="0" smtClean="0"/>
+              <a:t>–1</a:t>
+            </a:r>
+            <a:r>
+              <a:rPr lang="en-US" sz="2000" dirty="0" smtClean="0"/>
+              <a:t>(x) ]</a:t>
+            </a:r>
+          </a:p>
+          <a:p>
+            <a:r>
               <a:rPr lang="en-US" sz="2000" dirty="0">
                 <a:solidFill>
-                  <a:srgbClr val="0000FF"/>
-                </a:solidFill>
-              </a:rPr>
-              <a:t>(x) </a:t>
-            </a:r>
-            <a:r>
-              <a:rPr lang="en-US" sz="2000" dirty="0"/>
-              <a:t>[ = </a:t>
-            </a:r>
-            <a:r>
-              <a:rPr lang="en-US" sz="2000" dirty="0" err="1"/>
-              <a:t>erf</a:t>
-            </a:r>
-            <a:r>
-              <a:rPr lang="en-US" sz="2000" baseline="30000" dirty="0"/>
-              <a:t>–1</a:t>
-            </a:r>
-            <a:r>
-              <a:rPr lang="en-US" sz="2000" dirty="0"/>
-              <a:t>(x) ]</a:t>
-            </a:r>
-          </a:p>
-          <a:p>
+                  <a:srgbClr val="FF0000"/>
+                </a:solidFill>
+              </a:rPr>
+              <a:t>	</a:t>
+            </a:r>
+            <a:r>
+              <a:rPr lang="en-US" sz="2000" dirty="0" smtClean="0">
+                <a:solidFill>
+                  <a:srgbClr val="FF0000"/>
+                </a:solidFill>
+              </a:rPr>
+              <a:t>	3</a:t>
+            </a:r>
             <a:r>
               <a:rPr lang="en-US" sz="2000" dirty="0">
                 <a:solidFill>
                   <a:srgbClr val="FF0000"/>
                 </a:solidFill>
               </a:rPr>
-              <a:t>		3–4× faster than </a:t>
+              <a:t>–4× faster than </a:t>
             </a:r>
             <a:r>
               <a:rPr lang="en-US" sz="2000" dirty="0" err="1">
@@ -7657,120 +7985,140 @@
           <a:lstStyle/>
           <a:p>
             <a:r>
-              <a:rPr lang="en-US" sz="2000" dirty="0"/>
+              <a:rPr lang="en-US" sz="2000" dirty="0" smtClean="0"/>
               <a:t>Pure Julia </a:t>
             </a:r>
             <a:r>
+              <a:rPr lang="en-US" sz="2000" dirty="0" err="1" smtClean="0">
+                <a:solidFill>
+                  <a:srgbClr val="0000FF"/>
+                </a:solidFill>
+              </a:rPr>
+              <a:t>polygamma</a:t>
+            </a:r>
+            <a:r>
+              <a:rPr lang="en-US" sz="2000" dirty="0" smtClean="0">
+                <a:solidFill>
+                  <a:srgbClr val="0000FF"/>
+                </a:solidFill>
+              </a:rPr>
+              <a:t>(m, z) </a:t>
+            </a:r>
+            <a:r>
+              <a:rPr lang="en-US" sz="2000" dirty="0" smtClean="0"/>
+              <a:t>[ = (m+1)</a:t>
+            </a:r>
+            <a:r>
+              <a:rPr lang="en-US" sz="2000" baseline="30000" dirty="0" err="1" smtClean="0"/>
+              <a:t>th</a:t>
+            </a:r>
+            <a:r>
+              <a:rPr lang="en-US" sz="2000" dirty="0" smtClean="0"/>
+              <a:t> derivative of the </a:t>
+            </a:r>
+            <a:r>
+              <a:rPr lang="en-US" sz="2000" dirty="0" err="1" smtClean="0"/>
+              <a:t>ln</a:t>
+            </a:r>
+            <a:r>
+              <a:rPr lang="en-US" sz="2000" dirty="0" smtClean="0"/>
+              <a:t> </a:t>
+            </a:r>
+            <a:r>
+              <a:rPr lang="el-GR" sz="2000" dirty="0" smtClean="0"/>
+              <a:t>Γ</a:t>
+            </a:r>
+            <a:r>
+              <a:rPr lang="en-US" sz="2000" dirty="0" smtClean="0"/>
+              <a:t> function ]</a:t>
+            </a:r>
+          </a:p>
+          <a:p>
+            <a:r>
+              <a:rPr lang="en-US" sz="2000" dirty="0">
+                <a:solidFill>
+                  <a:srgbClr val="FF0000"/>
+                </a:solidFill>
+              </a:rPr>
+              <a:t>	 </a:t>
+            </a:r>
+            <a:r>
+              <a:rPr lang="en-US" sz="2000" dirty="0" smtClean="0">
+                <a:solidFill>
+                  <a:srgbClr val="FF0000"/>
+                </a:solidFill>
+              </a:rPr>
+              <a:t>    ~ 2× </a:t>
+            </a:r>
+            <a:r>
+              <a:rPr lang="en-US" sz="2000" dirty="0">
+                <a:solidFill>
+                  <a:srgbClr val="FF0000"/>
+                </a:solidFill>
+              </a:rPr>
+              <a:t>faster than </a:t>
+            </a:r>
+            <a:r>
               <a:rPr lang="en-US" sz="2000" dirty="0" err="1">
                 <a:solidFill>
-                  <a:srgbClr val="0000FF"/>
-                </a:solidFill>
-              </a:rPr>
-              <a:t>polygamma</a:t>
+                  <a:srgbClr val="FF0000"/>
+                </a:solidFill>
+              </a:rPr>
+              <a:t>SciPy’s</a:t>
             </a:r>
             <a:r>
               <a:rPr lang="en-US" sz="2000" dirty="0">
                 <a:solidFill>
-                  <a:srgbClr val="0000FF"/>
-                </a:solidFill>
-              </a:rPr>
-              <a:t>(m, z) </a:t>
-            </a:r>
-            <a:r>
-              <a:rPr lang="en-US" sz="2000" dirty="0"/>
-              <a:t>[ = (m+1)</a:t>
-            </a:r>
-            <a:r>
-              <a:rPr lang="en-US" sz="2000" baseline="30000" dirty="0" err="1"/>
-              <a:t>th</a:t>
-            </a:r>
-            <a:r>
-              <a:rPr lang="en-US" sz="2000" dirty="0"/>
-              <a:t> derivative of the </a:t>
-            </a:r>
-            <a:r>
-              <a:rPr lang="en-US" sz="2000" dirty="0" err="1"/>
-              <a:t>ln</a:t>
-            </a:r>
+                  <a:srgbClr val="FF0000"/>
+                </a:solidFill>
+              </a:rPr>
+              <a:t> </a:t>
+            </a:r>
+            <a:r>
+              <a:rPr lang="en-US" sz="2000" dirty="0" smtClean="0"/>
+              <a:t>(C/Fortran) for real </a:t>
+            </a:r>
+            <a:r>
+              <a:rPr lang="en-US" sz="2000" i="1" dirty="0"/>
+              <a:t>z</a:t>
+            </a:r>
+            <a:endParaRPr lang="en-US" sz="2000" dirty="0" smtClean="0"/>
+          </a:p>
+          <a:p>
             <a:r>
               <a:rPr lang="en-US" sz="2000" dirty="0"/>
               <a:t> </a:t>
             </a:r>
             <a:r>
-              <a:rPr lang="el-GR" sz="2000" dirty="0"/>
-              <a:t>Γ</a:t>
-            </a:r>
-            <a:r>
-              <a:rPr lang="en-US" sz="2000" dirty="0"/>
-              <a:t> function ]</a:t>
-            </a:r>
-          </a:p>
-          <a:p>
-            <a:r>
-              <a:rPr lang="en-US" sz="2000" dirty="0">
-                <a:solidFill>
-                  <a:srgbClr val="FF0000"/>
-                </a:solidFill>
-              </a:rPr>
-              <a:t>	     ~ 2× faster than </a:t>
-            </a:r>
-            <a:r>
-              <a:rPr lang="en-US" sz="2000" dirty="0" err="1">
-                <a:solidFill>
-                  <a:srgbClr val="FF0000"/>
-                </a:solidFill>
-              </a:rPr>
+              <a:rPr lang="en-US" sz="2000" dirty="0" smtClean="0"/>
+              <a:t>                       … and unlike </a:t>
+            </a:r>
+            <a:r>
+              <a:rPr lang="en-US" sz="2000" dirty="0" err="1" smtClean="0"/>
               <a:t>SciPy’s</a:t>
             </a:r>
             <a:r>
-              <a:rPr lang="en-US" sz="2000" dirty="0">
-                <a:solidFill>
-                  <a:srgbClr val="FF0000"/>
-                </a:solidFill>
-              </a:rPr>
+              <a:rPr lang="en-US" sz="2000" dirty="0" smtClean="0"/>
+              <a:t>, </a:t>
+            </a:r>
+            <a:r>
+              <a:rPr lang="en-US" sz="2000" i="1" dirty="0" smtClean="0"/>
+              <a:t>same</a:t>
+            </a:r>
+            <a:r>
+              <a:rPr lang="en-US" sz="2000" dirty="0" smtClean="0"/>
               <a:t> </a:t>
             </a:r>
             <a:r>
-              <a:rPr lang="en-US" sz="2000" dirty="0"/>
-              <a:t>(C/Fortran) for real </a:t>
-            </a:r>
-            <a:r>
-              <a:rPr lang="en-US" sz="2000" i="1" dirty="0"/>
-              <a:t>z</a:t>
-            </a:r>
-            <a:endParaRPr lang="en-US" sz="2000" dirty="0"/>
-          </a:p>
-          <a:p>
-            <a:r>
-              <a:rPr lang="en-US" sz="2000" dirty="0"/>
-              <a:t>                        … and unlike </a:t>
-            </a:r>
-            <a:r>
-              <a:rPr lang="en-US" sz="2000" dirty="0" err="1"/>
-              <a:t>SciPy’s</a:t>
-            </a:r>
-            <a:r>
-              <a:rPr lang="en-US" sz="2000" dirty="0"/>
-              <a:t>, </a:t>
-            </a:r>
-            <a:r>
-              <a:rPr lang="en-US" sz="2000" i="1" dirty="0"/>
-              <a:t>same</a:t>
-            </a:r>
-            <a:r>
-              <a:rPr lang="en-US" sz="2000" dirty="0"/>
-              <a:t> </a:t>
-            </a:r>
-            <a:r>
-              <a:rPr lang="en-US" sz="2000" i="1" dirty="0"/>
+              <a:rPr lang="en-US" sz="2000" i="1" dirty="0" smtClean="0"/>
               <a:t>code</a:t>
             </a:r>
             <a:r>
-              <a:rPr lang="en-US" sz="2000" dirty="0"/>
+              <a:rPr lang="en-US" sz="2000" dirty="0" smtClean="0"/>
               <a:t> supports complex argument </a:t>
             </a:r>
             <a:r>
-              <a:rPr lang="en-US" sz="2000" i="1" dirty="0"/>
+              <a:rPr lang="en-US" sz="2000" i="1" dirty="0" smtClean="0"/>
               <a:t>z</a:t>
             </a:r>
             <a:endParaRPr lang="en-US" sz="2000" dirty="0"/>
@@ -7806,11 +8154,11 @@
           <a:p>
             <a:pPr algn="ctr"/>
             <a:r>
-              <a:rPr lang="en-US" sz="2800" dirty="0"/>
+              <a:rPr lang="en-US" sz="2800" dirty="0" smtClean="0"/>
               <a:t>Julia code can actually be </a:t>
             </a:r>
             <a:r>
-              <a:rPr lang="en-US" sz="2800" dirty="0">
+              <a:rPr lang="en-US" sz="2800" dirty="0" smtClean="0">
                 <a:solidFill>
                   <a:srgbClr val="0000FF"/>
                 </a:solidFill>
@@ -7818,18 +8166,18 @@
               <a:t>faster</a:t>
             </a:r>
             <a:r>
-              <a:rPr lang="en-US" sz="2800" dirty="0"/>
+              <a:rPr lang="en-US" sz="2800" dirty="0" smtClean="0"/>
               <a:t> than typical “optimized”</a:t>
             </a:r>
           </a:p>
           <a:p>
             <a:pPr algn="ctr"/>
             <a:r>
-              <a:rPr lang="en-US" sz="2800" dirty="0"/>
+              <a:rPr lang="en-US" sz="2800" dirty="0" smtClean="0"/>
               <a:t>C/Fortran code, by using </a:t>
             </a:r>
             <a:r>
-              <a:rPr lang="en-US" sz="2800" dirty="0">
+              <a:rPr lang="en-US" sz="2800" dirty="0" smtClean="0">
                 <a:solidFill>
                   <a:srgbClr val="0000FF"/>
                 </a:solidFill>
@@ -7837,19 +8185,19 @@
               <a:t>techniques </a:t>
             </a:r>
             <a:r>
-              <a:rPr lang="en-US" sz="2800" dirty="0"/>
+              <a:rPr lang="en-US" sz="2800" dirty="0" smtClean="0"/>
               <a:t>[</a:t>
             </a:r>
             <a:r>
-              <a:rPr lang="en-US" sz="2800" dirty="0" err="1"/>
+              <a:rPr lang="en-US" sz="2800" dirty="0" err="1" smtClean="0"/>
               <a:t>metaprogramming</a:t>
             </a:r>
             <a:r>
-              <a:rPr lang="en-US" sz="2800" dirty="0"/>
+              <a:rPr lang="en-US" sz="2800" dirty="0" smtClean="0"/>
               <a:t>/</a:t>
             </a:r>
             <a:r>
-              <a:rPr lang="en-US" sz="2800" dirty="0" err="1">
+              <a:rPr lang="en-US" sz="2800" dirty="0" err="1" smtClean="0">
                 <a:solidFill>
                   <a:srgbClr val="0000FF"/>
                 </a:solidFill>
@@ -7857,7 +8205,7 @@
               <a:t>codegen</a:t>
             </a:r>
             <a:r>
-              <a:rPr lang="en-US" sz="2800" dirty="0">
+              <a:rPr lang="en-US" sz="2800" dirty="0" smtClean="0">
                 <a:solidFill>
                   <a:srgbClr val="0000FF"/>
                 </a:solidFill>
@@ -7865,24 +8213,41 @@
               <a:t> generation</a:t>
             </a:r>
             <a:r>
-              <a:rPr lang="en-US" sz="2800" dirty="0"/>
-              <a:t>] that are</a:t>
+              <a:rPr lang="en-US" sz="2800" dirty="0" smtClean="0"/>
+              <a:t>] </a:t>
+            </a:r>
+            <a:r>
+              <a:rPr lang="en-US" sz="2800" dirty="0" smtClean="0"/>
+              <a:t>that </a:t>
+            </a:r>
+            <a:r>
+              <a:rPr lang="en-US" sz="2800" dirty="0" smtClean="0"/>
+              <a:t>are</a:t>
             </a:r>
           </a:p>
           <a:p>
             <a:pPr algn="ctr"/>
             <a:r>
-              <a:rPr lang="en-US" sz="2800" dirty="0">
+              <a:rPr lang="en-US" sz="2800" dirty="0" smtClean="0">
                 <a:solidFill>
                   <a:srgbClr val="0000FF"/>
                 </a:solidFill>
               </a:rPr>
-              <a:t>hard in a low-level language</a:t>
-            </a:r>
-            <a:r>
-              <a:rPr lang="en-US" sz="2800" dirty="0"/>
+              <a:t>hard in a </a:t>
+            </a:r>
+            <a:r>
+              <a:rPr lang="en-US" sz="2800" dirty="0" smtClean="0">
+                <a:solidFill>
+                  <a:srgbClr val="0000FF"/>
+                </a:solidFill>
+              </a:rPr>
+              <a:t>low-level language</a:t>
+            </a:r>
+            <a:r>
+              <a:rPr lang="en-US" sz="2800" dirty="0" smtClean="0"/>
               <a:t>.</a:t>
             </a:r>
+            <a:endParaRPr lang="en-US" sz="2800" dirty="0"/>
           </a:p>
         </p:txBody>
       </p:sp>
@@ -8015,7 +8380,7 @@
           <a:lstStyle/>
           <a:p>
             <a:r>
-              <a:rPr lang="en-US" dirty="0">
+              <a:rPr lang="en-US" dirty="0" smtClean="0">
                 <a:solidFill>
                   <a:srgbClr val="FF0000"/>
                 </a:solidFill>
@@ -8023,9 +8388,10 @@
               <a:t>Pure-Julia FFT </a:t>
             </a:r>
             <a:r>
-              <a:rPr lang="en-US" dirty="0"/>
+              <a:rPr lang="en-US" dirty="0" smtClean="0"/>
               <a:t>performance</a:t>
             </a:r>
+            <a:endParaRPr lang="en-US" dirty="0"/>
           </a:p>
         </p:txBody>
       </p:sp>
@@ -8120,7 +8486,7 @@
           <a:lstStyle/>
           <a:p>
             <a:r>
-              <a:rPr lang="en-US" dirty="0">
+              <a:rPr lang="en-US" dirty="0" smtClean="0">
                 <a:solidFill>
                   <a:srgbClr val="FF0000"/>
                 </a:solidFill>
@@ -8129,25 +8495,29 @@
             </a:r>
           </a:p>
           <a:p>
-            <a:endParaRPr lang="en-US" dirty="0"/>
+            <a:endParaRPr lang="en-US" dirty="0" smtClean="0"/>
+          </a:p>
+          <a:p>
+            <a:r>
+              <a:rPr lang="en-US" dirty="0" smtClean="0"/>
+              <a:t>[ probably some tweaks to</a:t>
+            </a:r>
           </a:p>
           <a:p>
             <a:r>
               <a:rPr lang="en-US" dirty="0"/>
-              <a:t>[ probably some tweaks to</a:t>
-            </a:r>
-          </a:p>
-          <a:p>
-            <a:r>
-              <a:rPr lang="en-US" dirty="0"/>
-              <a:t>   </a:t>
-            </a:r>
-            <a:r>
-              <a:rPr lang="en-US" dirty="0" err="1"/>
+              <a:t> </a:t>
+            </a:r>
+            <a:r>
+              <a:rPr lang="en-US" dirty="0" smtClean="0"/>
+              <a:t>  </a:t>
+            </a:r>
+            <a:r>
+              <a:rPr lang="en-US" dirty="0" err="1" smtClean="0"/>
               <a:t>inlining</a:t>
             </a:r>
             <a:r>
-              <a:rPr lang="en-US" dirty="0"/>
+              <a:rPr lang="en-US" dirty="0" smtClean="0"/>
               <a:t> will make it better ]</a:t>
             </a:r>
           </a:p>
@@ -8175,7 +8545,7 @@
           <a:lstStyle/>
           <a:p>
             <a:r>
-              <a:rPr lang="en-US" dirty="0">
+              <a:rPr lang="en-US" dirty="0" smtClean="0">
                 <a:solidFill>
                   <a:srgbClr val="0000FF"/>
                 </a:solidFill>
@@ -8183,17 +8553,21 @@
               <a:t>FFTW 1.0-like </a:t>
             </a:r>
             <a:r>
+              <a:rPr lang="en-US" dirty="0" smtClean="0"/>
+              <a:t>code generation</a:t>
+            </a:r>
+          </a:p>
+          <a:p>
+            <a:r>
               <a:rPr lang="en-US" dirty="0"/>
-              <a:t>code generation</a:t>
-            </a:r>
-          </a:p>
-          <a:p>
-            <a:r>
-              <a:rPr lang="en-US" dirty="0"/>
-              <a:t>       + recursion in </a:t>
-            </a:r>
-            <a:r>
-              <a:rPr lang="en-US" dirty="0">
+              <a:t> </a:t>
+            </a:r>
+            <a:r>
+              <a:rPr lang="en-US" dirty="0" smtClean="0"/>
+              <a:t>      + recursion in </a:t>
+            </a:r>
+            <a:r>
+              <a:rPr lang="en-US" dirty="0" smtClean="0">
                 <a:solidFill>
                   <a:srgbClr val="0000FF"/>
                 </a:solidFill>
@@ -8203,7 +8577,7 @@
           </a:p>
           <a:p>
             <a:r>
-              <a:rPr lang="en-US" dirty="0"/>
+              <a:rPr lang="en-US" dirty="0" smtClean="0"/>
               <a:t>~ </a:t>
             </a:r>
             <a:r>
@@ -8234,8 +8608,13 @@
             </a:r>
             <a:r>
               <a:rPr lang="en-US" dirty="0"/>
-              <a:t>, more functionality</a:t>
-            </a:r>
+              <a:t>, more </a:t>
+            </a:r>
+            <a:r>
+              <a:rPr lang="en-US" dirty="0" smtClean="0"/>
+              <a:t>functionality</a:t>
+            </a:r>
+            <a:endParaRPr lang="en-US" dirty="0"/>
           </a:p>
         </p:txBody>
       </p:sp>
@@ -8263,11 +8642,11 @@
           <a:p>
             <a:pPr algn="ctr"/>
             <a:r>
-              <a:rPr lang="en-US" dirty="0"/>
+              <a:rPr lang="en-US" dirty="0" smtClean="0"/>
               <a:t>(</a:t>
             </a:r>
             <a:r>
-              <a:rPr lang="en-US" dirty="0">
+              <a:rPr lang="en-US" dirty="0" smtClean="0">
                 <a:solidFill>
                   <a:srgbClr val="0000FF"/>
                 </a:solidFill>
@@ -8275,9 +8654,10 @@
               <a:t>FFTW</a:t>
             </a:r>
             <a:r>
-              <a:rPr lang="en-US" dirty="0"/>
+              <a:rPr lang="en-US" dirty="0" smtClean="0"/>
               <a:t>, MKL: “unfair” factor of ~2 from manual SIMD)</a:t>
             </a:r>
+            <a:endParaRPr lang="en-US" dirty="0"/>
           </a:p>
         </p:txBody>
       </p:sp>
@@ -8304,13 +8684,18 @@
           <a:lstStyle/>
           <a:p>
             <a:r>
-              <a:rPr lang="en-US" dirty="0">
+              <a:rPr lang="en-US" dirty="0" smtClean="0">
                 <a:solidFill>
                   <a:srgbClr val="FF0000"/>
                 </a:solidFill>
               </a:rPr>
               <a:t>Julia</a:t>
             </a:r>
+            <a:endParaRPr lang="en-US" dirty="0">
+              <a:solidFill>
+                <a:srgbClr val="FF0000"/>
+              </a:solidFill>
+            </a:endParaRPr>
           </a:p>
         </p:txBody>
       </p:sp>
@@ -8337,7 +8722,7 @@
           <a:lstStyle/>
           <a:p>
             <a:r>
-              <a:rPr lang="en-US" sz="1200" dirty="0">
+              <a:rPr lang="en-US" sz="1200" dirty="0" smtClean="0">
                 <a:solidFill>
                   <a:schemeClr val="bg2">
                     <a:lumMod val="50000"/>
@@ -8346,6 +8731,13 @@
               </a:rPr>
               <a:t>FFTPACK</a:t>
             </a:r>
+            <a:endParaRPr lang="en-US" sz="1200" dirty="0">
+              <a:solidFill>
+                <a:schemeClr val="bg2">
+                  <a:lumMod val="50000"/>
+                </a:schemeClr>
+              </a:solidFill>
+            </a:endParaRPr>
           </a:p>
         </p:txBody>
       </p:sp>
@@ -8372,13 +8764,18 @@
           <a:lstStyle/>
           <a:p>
             <a:r>
-              <a:rPr lang="en-US" sz="1200" dirty="0">
+              <a:rPr lang="en-US" sz="1200" dirty="0" smtClean="0">
                 <a:solidFill>
                   <a:srgbClr val="0000FF"/>
                 </a:solidFill>
               </a:rPr>
               <a:t>FFTW w/o SIMD</a:t>
             </a:r>
+            <a:endParaRPr lang="en-US" sz="1200" dirty="0">
+              <a:solidFill>
+                <a:srgbClr val="0000FF"/>
+              </a:solidFill>
+            </a:endParaRPr>
           </a:p>
         </p:txBody>
       </p:sp>
@@ -8392,6 +8789,13 @@
   <p:clrMapOvr>
     <a:masterClrMapping/>
   </p:clrMapOvr>
+  <p:timing>
+    <p:tnLst>
+      <p:par>
+        <p:cTn id="1" dur="indefinite" restart="never" nodeType="tmRoot"/>
+      </p:par>
+    </p:tnLst>
+  </p:timing>
 </p:sld>
 </file>
 
@@ -8435,17 +8839,18 @@
           <a:lstStyle/>
           <a:p>
             <a:r>
-              <a:rPr lang="en-US" dirty="0"/>
+              <a:rPr lang="en-US" dirty="0" smtClean="0"/>
               <a:t>Generating </a:t>
             </a:r>
             <a:r>
-              <a:rPr lang="en-US" dirty="0" err="1"/>
+              <a:rPr lang="en-US" dirty="0" err="1" smtClean="0"/>
               <a:t>Vandermonde</a:t>
             </a:r>
             <a:r>
-              <a:rPr lang="en-US" dirty="0"/>
+              <a:rPr lang="en-US" dirty="0" smtClean="0"/>
               <a:t> matrices</a:t>
             </a:r>
+            <a:endParaRPr lang="en-US" dirty="0"/>
           </a:p>
         </p:txBody>
       </p:sp>
@@ -8496,11 +8901,11 @@
           <a:lstStyle/>
           <a:p>
             <a:r>
-              <a:rPr lang="en-US" sz="2400" dirty="0"/>
+              <a:rPr lang="en-US" sz="2400" dirty="0" smtClean="0"/>
               <a:t>given </a:t>
             </a:r>
             <a:r>
-              <a:rPr lang="en-US" sz="2400" dirty="0">
+              <a:rPr lang="en-US" sz="2400" dirty="0" smtClean="0">
                 <a:solidFill>
                   <a:srgbClr val="0000FF"/>
                 </a:solidFill>
@@ -8508,7 +8913,7 @@
               <a:t>x = [</a:t>
             </a:r>
             <a:r>
-              <a:rPr lang="el-GR" sz="2400" dirty="0">
+              <a:rPr lang="el-GR" sz="2400" dirty="0" smtClean="0">
                 <a:solidFill>
                   <a:srgbClr val="0000FF"/>
                 </a:solidFill>
@@ -8516,7 +8921,7 @@
               <a:t>α</a:t>
             </a:r>
             <a:r>
-              <a:rPr lang="en-US" sz="2400" baseline="-25000" dirty="0">
+              <a:rPr lang="en-US" sz="2400" baseline="-25000" dirty="0" smtClean="0">
                 <a:solidFill>
                   <a:srgbClr val="0000FF"/>
                 </a:solidFill>
@@ -8524,7 +8929,7 @@
               <a:t>1</a:t>
             </a:r>
             <a:r>
-              <a:rPr lang="en-US" sz="2400" dirty="0">
+              <a:rPr lang="en-US" sz="2400" dirty="0" smtClean="0">
                 <a:solidFill>
                   <a:srgbClr val="0000FF"/>
                 </a:solidFill>
@@ -8532,7 +8937,7 @@
               <a:t>, </a:t>
             </a:r>
             <a:r>
-              <a:rPr lang="el-GR" sz="2400" dirty="0">
+              <a:rPr lang="el-GR" sz="2400" dirty="0" smtClean="0">
                 <a:solidFill>
                   <a:srgbClr val="0000FF"/>
                 </a:solidFill>
@@ -8540,7 +8945,7 @@
               <a:t>α</a:t>
             </a:r>
             <a:r>
-              <a:rPr lang="en-US" sz="2400" baseline="-25000" dirty="0">
+              <a:rPr lang="en-US" sz="2400" baseline="-25000" dirty="0" smtClean="0">
                 <a:solidFill>
                   <a:srgbClr val="0000FF"/>
                 </a:solidFill>
@@ -8548,7 +8953,7 @@
               <a:t>2</a:t>
             </a:r>
             <a:r>
-              <a:rPr lang="en-US" sz="2400" dirty="0">
+              <a:rPr lang="en-US" sz="2400" dirty="0" smtClean="0">
                 <a:solidFill>
                   <a:srgbClr val="0000FF"/>
                 </a:solidFill>
@@ -8556,9 +8961,10 @@
               <a:t>, …]</a:t>
             </a:r>
             <a:r>
-              <a:rPr lang="en-US" sz="2400" dirty="0"/>
+              <a:rPr lang="en-US" sz="2400" dirty="0" smtClean="0"/>
               <a:t>, generate:</a:t>
             </a:r>
+            <a:endParaRPr lang="en-US" sz="2400" dirty="0"/>
           </a:p>
         </p:txBody>
       </p:sp>
@@ -8584,7 +8990,7 @@
           <a:lstStyle/>
           <a:p>
             <a:r>
-              <a:rPr lang="en-US" sz="2000" dirty="0" err="1">
+              <a:rPr lang="en-US" sz="2000" dirty="0" err="1" smtClean="0">
                 <a:solidFill>
                   <a:srgbClr val="FF0000"/>
                 </a:solidFill>
@@ -8592,7 +8998,7 @@
               <a:t>NumPy</a:t>
             </a:r>
             <a:r>
-              <a:rPr lang="en-US" sz="2000" dirty="0">
+              <a:rPr lang="en-US" sz="2000" dirty="0" smtClean="0">
                 <a:solidFill>
                   <a:srgbClr val="FF0000"/>
                 </a:solidFill>
@@ -8600,7 +9006,7 @@
               <a:t> </a:t>
             </a:r>
             <a:r>
-              <a:rPr lang="en-US" dirty="0">
+              <a:rPr lang="en-US" dirty="0" smtClean="0">
                 <a:solidFill>
                   <a:srgbClr val="FF0000"/>
                 </a:solidFill>
@@ -8608,7 +9014,7 @@
               <a:t>(</a:t>
             </a:r>
             <a:r>
-              <a:rPr lang="en-US" sz="1600" dirty="0" err="1">
+              <a:rPr lang="en-US" sz="1600" dirty="0" err="1" smtClean="0">
                 <a:solidFill>
                   <a:srgbClr val="FF0000"/>
                 </a:solidFill>
@@ -8618,7 +9024,7 @@
               <a:t>numpy.vander</a:t>
             </a:r>
             <a:r>
-              <a:rPr lang="en-US" dirty="0">
+              <a:rPr lang="en-US" dirty="0" smtClean="0">
                 <a:solidFill>
                   <a:srgbClr val="FF0000"/>
                 </a:solidFill>
@@ -8631,63 +9037,68 @@
             </a:r>
           </a:p>
           <a:p>
-            <a:endParaRPr lang="en-US" dirty="0">
+            <a:endParaRPr lang="en-US" dirty="0" smtClean="0">
               <a:solidFill>
                 <a:srgbClr val="FF0000"/>
               </a:solidFill>
             </a:endParaRPr>
           </a:p>
           <a:p>
+            <a:endParaRPr lang="en-US" dirty="0" smtClean="0"/>
+          </a:p>
+          <a:p>
+            <a:r>
+              <a:rPr lang="en-US" dirty="0" smtClean="0"/>
+              <a:t>        </a:t>
+            </a:r>
+            <a:r>
+              <a:rPr lang="en-US" dirty="0" smtClean="0">
+                <a:hlinkClick r:id="rId3"/>
+              </a:rPr>
+              <a:t> Python code </a:t>
+            </a:r>
+            <a:r>
+              <a:rPr lang="en-US" dirty="0"/>
+              <a:t> </a:t>
+            </a:r>
+            <a:r>
+              <a:rPr lang="en-US" dirty="0" smtClean="0"/>
+              <a:t>…wraps </a:t>
+            </a:r>
+            <a:r>
+              <a:rPr lang="en-US" dirty="0" smtClean="0">
+                <a:hlinkClick r:id="rId4"/>
+              </a:rPr>
+              <a:t>C code </a:t>
+            </a:r>
+            <a:endParaRPr lang="en-US" dirty="0" smtClean="0"/>
+          </a:p>
+          <a:p>
+            <a:r>
+              <a:rPr lang="en-US" dirty="0" smtClean="0"/>
+              <a:t>         … wraps </a:t>
+            </a:r>
+            <a:r>
+              <a:rPr lang="en-US" dirty="0" smtClean="0">
+                <a:hlinkClick r:id="rId5"/>
+              </a:rPr>
+              <a:t>generated C code</a:t>
+            </a:r>
+            <a:endParaRPr lang="en-US" dirty="0" smtClean="0"/>
+          </a:p>
+          <a:p>
+            <a:endParaRPr lang="en-US" dirty="0" smtClean="0"/>
+          </a:p>
+          <a:p>
+            <a:r>
+              <a:rPr lang="en-US" dirty="0" smtClean="0"/>
+              <a:t>type-generic at high-level, but</a:t>
+            </a:r>
             <a:endParaRPr lang="en-US" dirty="0"/>
           </a:p>
           <a:p>
             <a:r>
-              <a:rPr lang="en-US" dirty="0"/>
-              <a:t>        </a:t>
-            </a:r>
-            <a:r>
-              <a:rPr lang="en-US" dirty="0">
-                <a:hlinkClick r:id="rId3"/>
-              </a:rPr>
-              <a:t> Python code </a:t>
-            </a:r>
-            <a:r>
-              <a:rPr lang="en-US" dirty="0"/>
-              <a:t> …wraps </a:t>
-            </a:r>
-            <a:r>
-              <a:rPr lang="en-US" dirty="0">
-                <a:hlinkClick r:id="rId4"/>
-              </a:rPr>
-              <a:t>C code </a:t>
-            </a:r>
-            <a:endParaRPr lang="en-US" dirty="0"/>
-          </a:p>
-          <a:p>
-            <a:r>
-              <a:rPr lang="en-US" dirty="0"/>
-              <a:t>         … wraps </a:t>
-            </a:r>
-            <a:r>
-              <a:rPr lang="en-US" dirty="0">
-                <a:hlinkClick r:id="rId5"/>
-              </a:rPr>
-              <a:t>generated C code</a:t>
-            </a:r>
-            <a:endParaRPr lang="en-US" dirty="0"/>
-          </a:p>
-          <a:p>
-            <a:endParaRPr lang="en-US" dirty="0"/>
-          </a:p>
-          <a:p>
-            <a:r>
-              <a:rPr lang="en-US" dirty="0"/>
-              <a:t>type-generic at high-level, but</a:t>
-            </a:r>
-          </a:p>
-          <a:p>
-            <a:r>
-              <a:rPr lang="en-US" dirty="0"/>
+              <a:rPr lang="en-US" dirty="0" smtClean="0"/>
               <a:t>low level limited to small set of types.</a:t>
             </a:r>
           </a:p>
@@ -8716,90 +9127,95 @@
           <a:lstStyle/>
           <a:p>
             <a:r>
+              <a:rPr lang="en-US" sz="2400" dirty="0" smtClean="0"/>
+              <a:t>Writing fast code </a:t>
+            </a:r>
+            <a:r>
+              <a:rPr lang="en-US" sz="2400" dirty="0" smtClean="0">
+                <a:solidFill>
+                  <a:srgbClr val="0000FF"/>
+                </a:solidFill>
+              </a:rPr>
+              <a:t>“in” </a:t>
+            </a:r>
+            <a:r>
+              <a:rPr lang="en-US" sz="2400" dirty="0" smtClean="0"/>
+              <a:t>Python or </a:t>
+            </a:r>
+            <a:r>
+              <a:rPr lang="en-US" sz="2400" dirty="0" err="1" smtClean="0"/>
+              <a:t>Matlab</a:t>
+            </a:r>
+            <a:r>
+              <a:rPr lang="en-US" sz="2400" dirty="0" smtClean="0"/>
+              <a:t> = </a:t>
+            </a:r>
+            <a:r>
+              <a:rPr lang="en-US" sz="2400" dirty="0" smtClean="0">
+                <a:solidFill>
+                  <a:srgbClr val="0000FF"/>
+                </a:solidFill>
+              </a:rPr>
+              <a:t>mining the standard library</a:t>
+            </a:r>
+          </a:p>
+          <a:p>
+            <a:r>
+              <a:rPr lang="en-US" sz="2400" dirty="0" smtClean="0"/>
+              <a:t>for pre-written functions (implemented in C or Fortran).</a:t>
+            </a:r>
+          </a:p>
+          <a:p>
+            <a:endParaRPr lang="en-US" sz="2400" dirty="0"/>
+          </a:p>
+          <a:p>
+            <a:r>
+              <a:rPr lang="en-US" sz="2400" dirty="0" smtClean="0"/>
+              <a:t>If the problem doesn’t “</a:t>
+            </a:r>
+            <a:r>
+              <a:rPr lang="en-US" sz="2400" dirty="0" err="1" smtClean="0"/>
+              <a:t>vectorize</a:t>
+            </a:r>
+            <a:r>
+              <a:rPr lang="en-US" sz="2400" dirty="0" smtClean="0"/>
+              <a:t>” into built-in functions,</a:t>
+            </a:r>
+          </a:p>
+          <a:p>
+            <a:r>
+              <a:rPr lang="en-US" sz="2400" dirty="0" smtClean="0"/>
+              <a:t>if you have to write your </a:t>
+            </a:r>
+            <a:r>
+              <a:rPr lang="en-US" sz="2400" dirty="0" smtClean="0">
+                <a:solidFill>
+                  <a:srgbClr val="0000FF"/>
+                </a:solidFill>
+              </a:rPr>
+              <a:t>own inner loops </a:t>
+            </a:r>
+            <a:r>
+              <a:rPr lang="en-US" sz="2400" dirty="0" smtClean="0"/>
+              <a:t>… </a:t>
+            </a:r>
+            <a:r>
+              <a:rPr lang="en-US" sz="2400" dirty="0" smtClean="0">
+                <a:solidFill>
+                  <a:srgbClr val="0000FF"/>
+                </a:solidFill>
+              </a:rPr>
+              <a:t>sucks</a:t>
+            </a:r>
+            <a:r>
+              <a:rPr lang="en-US" sz="2400" dirty="0" smtClean="0"/>
+              <a:t> for you</a:t>
+            </a:r>
+            <a:r>
               <a:rPr lang="en-US" sz="2400" dirty="0"/>
-              <a:t>Writing fast code </a:t>
-            </a:r>
-            <a:r>
-              <a:rPr lang="en-US" sz="2400" dirty="0">
-                <a:solidFill>
-                  <a:srgbClr val="0000FF"/>
-                </a:solidFill>
-              </a:rPr>
-              <a:t>“in” </a:t>
-            </a:r>
-            <a:r>
-              <a:rPr lang="en-US" sz="2400" dirty="0"/>
-              <a:t>Python or </a:t>
-            </a:r>
-            <a:r>
-              <a:rPr lang="en-US" sz="2400" dirty="0" err="1"/>
-              <a:t>Matlab</a:t>
-            </a:r>
-            <a:r>
-              <a:rPr lang="en-US" sz="2400" dirty="0"/>
-              <a:t> = </a:t>
-            </a:r>
-            <a:r>
-              <a:rPr lang="en-US" sz="2400" dirty="0">
-                <a:solidFill>
-                  <a:srgbClr val="0000FF"/>
-                </a:solidFill>
-              </a:rPr>
-              <a:t>mining the standard library</a:t>
-            </a:r>
-          </a:p>
-          <a:p>
-            <a:r>
-              <a:rPr lang="en-US" sz="2400" dirty="0"/>
-              <a:t>for pre-written functions (implemented in C or Fortran).</a:t>
-            </a:r>
-          </a:p>
-          <a:p>
-            <a:endParaRPr lang="en-US" sz="2400" dirty="0"/>
-          </a:p>
-          <a:p>
-            <a:r>
-              <a:rPr lang="en-US" sz="2400" dirty="0"/>
-              <a:t>If the problem doesn’t “</a:t>
-            </a:r>
-            <a:r>
-              <a:rPr lang="en-US" sz="2400" dirty="0" err="1"/>
-              <a:t>vectorize</a:t>
-            </a:r>
-            <a:r>
-              <a:rPr lang="en-US" sz="2400" dirty="0"/>
-              <a:t>” into built-in functions,</a:t>
-            </a:r>
-          </a:p>
-          <a:p>
-            <a:r>
-              <a:rPr lang="en-US" sz="2400" dirty="0"/>
-              <a:t>if you have to write your </a:t>
-            </a:r>
-            <a:r>
-              <a:rPr lang="en-US" sz="2400" dirty="0">
-                <a:solidFill>
-                  <a:srgbClr val="0000FF"/>
-                </a:solidFill>
-              </a:rPr>
-              <a:t>own inner loops </a:t>
-            </a:r>
-            <a:r>
-              <a:rPr lang="en-US" sz="2400" dirty="0"/>
-              <a:t>… </a:t>
-            </a:r>
-            <a:r>
-              <a:rPr lang="en-US" sz="2400" dirty="0">
-                <a:solidFill>
-                  <a:srgbClr val="0000FF"/>
-                </a:solidFill>
-              </a:rPr>
-              <a:t>sucks</a:t>
-            </a:r>
-            <a:r>
-              <a:rPr lang="en-US" sz="2400" dirty="0"/>
-              <a:t> for you.</a:t>
-            </a:r>
+              <a:t>.</a:t>
+            </a:r>
+            <a:endParaRPr lang="en-US" sz="2400" dirty="0" smtClean="0"/>
           </a:p>
         </p:txBody>
       </p:sp>
@@ -8813,6 +9229,13 @@
   <p:clrMapOvr>
     <a:masterClrMapping/>
   </p:clrMapOvr>
+  <p:timing>
+    <p:tnLst>
+      <p:par>
+        <p:cTn id="1" dur="indefinite" restart="never" nodeType="tmRoot"/>
+      </p:par>
+    </p:tnLst>
+  </p:timing>
 </p:sld>
 </file>
 
